--- a/worktab.pptx
+++ b/worktab.pptx
@@ -8,24 +8,18 @@
     <p:sldId id="256" r:id="rId2"/>
     <p:sldId id="257" r:id="rId3"/>
     <p:sldId id="258" r:id="rId4"/>
-    <p:sldId id="259" r:id="rId5"/>
-    <p:sldId id="260" r:id="rId6"/>
-    <p:sldId id="261" r:id="rId7"/>
-    <p:sldId id="262" r:id="rId8"/>
-    <p:sldId id="263" r:id="rId9"/>
-    <p:sldId id="264" r:id="rId10"/>
-    <p:sldId id="265" r:id="rId11"/>
-    <p:sldId id="266" r:id="rId12"/>
-    <p:sldId id="267" r:id="rId13"/>
-    <p:sldId id="268" r:id="rId14"/>
-    <p:sldId id="269" r:id="rId15"/>
-    <p:sldId id="270" r:id="rId16"/>
-    <p:sldId id="271" r:id="rId17"/>
-    <p:sldId id="272" r:id="rId18"/>
-    <p:sldId id="273" r:id="rId19"/>
-    <p:sldId id="274" r:id="rId20"/>
-    <p:sldId id="275" r:id="rId21"/>
-    <p:sldId id="276" r:id="rId22"/>
+    <p:sldId id="277" r:id="rId5"/>
+    <p:sldId id="261" r:id="rId6"/>
+    <p:sldId id="262" r:id="rId7"/>
+    <p:sldId id="278" r:id="rId8"/>
+    <p:sldId id="279" r:id="rId9"/>
+    <p:sldId id="280" r:id="rId10"/>
+    <p:sldId id="266" r:id="rId11"/>
+    <p:sldId id="270" r:id="rId12"/>
+    <p:sldId id="271" r:id="rId13"/>
+    <p:sldId id="272" r:id="rId14"/>
+    <p:sldId id="273" r:id="rId15"/>
+    <p:sldId id="276" r:id="rId16"/>
   </p:sldIdLst>
   <p:sldSz cx="12192000" cy="6858000"/>
   <p:notesSz cx="6858000" cy="9144000"/>
@@ -132,27 +126,24 @@
             <p14:sldId id="256"/>
             <p14:sldId id="257"/>
             <p14:sldId id="258"/>
-            <p14:sldId id="259"/>
-            <p14:sldId id="260"/>
+            <p14:sldId id="277"/>
             <p14:sldId id="261"/>
             <p14:sldId id="262"/>
-            <p14:sldId id="263"/>
-            <p14:sldId id="264"/>
-            <p14:sldId id="265"/>
+            <p14:sldId id="278"/>
+            <p14:sldId id="279"/>
+            <p14:sldId id="280"/>
             <p14:sldId id="266"/>
-            <p14:sldId id="267"/>
-            <p14:sldId id="268"/>
-            <p14:sldId id="269"/>
             <p14:sldId id="270"/>
             <p14:sldId id="271"/>
             <p14:sldId id="272"/>
             <p14:sldId id="273"/>
-            <p14:sldId id="274"/>
-            <p14:sldId id="275"/>
             <p14:sldId id="276"/>
           </p14:sldIdLst>
         </p14:section>
       </p14:sectionLst>
+    </p:ext>
+    <p:ext uri="{EFAFB233-063F-42B5-8137-9DF3F51BA10A}">
+      <p15:sldGuideLst xmlns:p15="http://schemas.microsoft.com/office/powerpoint/2012/main"/>
     </p:ext>
   </p:extLst>
 </p:presentation>
@@ -489,7 +480,7 @@
           <a:p>
             <a:fld id="{40636F93-AAE2-4FC4-B77D-02B590E4C869}" type="datetimeFigureOut">
               <a:rPr lang="es-ES" smtClean="0"/>
-              <a:t>17/05/2022</a:t>
+              <a:t>19/05/2022</a:t>
             </a:fld>
             <a:endParaRPr lang="es-ES"/>
           </a:p>
@@ -813,7 +804,7 @@
           <a:p>
             <a:fld id="{40636F93-AAE2-4FC4-B77D-02B590E4C869}" type="datetimeFigureOut">
               <a:rPr lang="es-ES" smtClean="0"/>
-              <a:t>17/05/2022</a:t>
+              <a:t>19/05/2022</a:t>
             </a:fld>
             <a:endParaRPr lang="es-ES"/>
           </a:p>
@@ -1061,7 +1052,7 @@
           <a:p>
             <a:fld id="{40636F93-AAE2-4FC4-B77D-02B590E4C869}" type="datetimeFigureOut">
               <a:rPr lang="es-ES" smtClean="0"/>
-              <a:t>17/05/2022</a:t>
+              <a:t>19/05/2022</a:t>
             </a:fld>
             <a:endParaRPr lang="es-ES"/>
           </a:p>
@@ -1400,7 +1391,7 @@
           <a:p>
             <a:fld id="{40636F93-AAE2-4FC4-B77D-02B590E4C869}" type="datetimeFigureOut">
               <a:rPr lang="es-ES" smtClean="0"/>
-              <a:t>17/05/2022</a:t>
+              <a:t>19/05/2022</a:t>
             </a:fld>
             <a:endParaRPr lang="es-ES"/>
           </a:p>
@@ -1747,7 +1738,7 @@
           <a:p>
             <a:fld id="{40636F93-AAE2-4FC4-B77D-02B590E4C869}" type="datetimeFigureOut">
               <a:rPr lang="es-ES" smtClean="0"/>
-              <a:t>17/05/2022</a:t>
+              <a:t>19/05/2022</a:t>
             </a:fld>
             <a:endParaRPr lang="es-ES"/>
           </a:p>
@@ -2121,7 +2112,7 @@
           <a:p>
             <a:fld id="{40636F93-AAE2-4FC4-B77D-02B590E4C869}" type="datetimeFigureOut">
               <a:rPr lang="es-ES" smtClean="0"/>
-              <a:t>17/05/2022</a:t>
+              <a:t>19/05/2022</a:t>
             </a:fld>
             <a:endParaRPr lang="es-ES"/>
           </a:p>
@@ -2591,7 +2582,7 @@
           <a:p>
             <a:fld id="{40636F93-AAE2-4FC4-B77D-02B590E4C869}" type="datetimeFigureOut">
               <a:rPr lang="es-ES" smtClean="0"/>
-              <a:t>17/05/2022</a:t>
+              <a:t>19/05/2022</a:t>
             </a:fld>
             <a:endParaRPr lang="es-ES"/>
           </a:p>
@@ -2796,7 +2787,7 @@
           <a:p>
             <a:fld id="{40636F93-AAE2-4FC4-B77D-02B590E4C869}" type="datetimeFigureOut">
               <a:rPr lang="es-ES" smtClean="0"/>
-              <a:t>17/05/2022</a:t>
+              <a:t>19/05/2022</a:t>
             </a:fld>
             <a:endParaRPr lang="es-ES"/>
           </a:p>
@@ -3007,7 +2998,7 @@
           <a:p>
             <a:fld id="{40636F93-AAE2-4FC4-B77D-02B590E4C869}" type="datetimeFigureOut">
               <a:rPr lang="es-ES" smtClean="0"/>
-              <a:t>17/05/2022</a:t>
+              <a:t>19/05/2022</a:t>
             </a:fld>
             <a:endParaRPr lang="es-ES"/>
           </a:p>
@@ -3239,7 +3230,7 @@
           <a:p>
             <a:fld id="{40636F93-AAE2-4FC4-B77D-02B590E4C869}" type="datetimeFigureOut">
               <a:rPr lang="es-ES" smtClean="0"/>
-              <a:t>17/05/2022</a:t>
+              <a:t>19/05/2022</a:t>
             </a:fld>
             <a:endParaRPr lang="es-ES"/>
           </a:p>
@@ -3487,7 +3478,7 @@
           <a:p>
             <a:fld id="{40636F93-AAE2-4FC4-B77D-02B590E4C869}" type="datetimeFigureOut">
               <a:rPr lang="es-ES" smtClean="0"/>
-              <a:t>17/05/2022</a:t>
+              <a:t>19/05/2022</a:t>
             </a:fld>
             <a:endParaRPr lang="es-ES"/>
           </a:p>
@@ -3785,7 +3776,7 @@
           <a:p>
             <a:fld id="{40636F93-AAE2-4FC4-B77D-02B590E4C869}" type="datetimeFigureOut">
               <a:rPr lang="es-ES" smtClean="0"/>
-              <a:t>17/05/2022</a:t>
+              <a:t>19/05/2022</a:t>
             </a:fld>
             <a:endParaRPr lang="es-ES"/>
           </a:p>
@@ -4179,7 +4170,7 @@
           <a:p>
             <a:fld id="{40636F93-AAE2-4FC4-B77D-02B590E4C869}" type="datetimeFigureOut">
               <a:rPr lang="es-ES" smtClean="0"/>
-              <a:t>17/05/2022</a:t>
+              <a:t>19/05/2022</a:t>
             </a:fld>
             <a:endParaRPr lang="es-ES"/>
           </a:p>
@@ -4328,7 +4319,7 @@
           <a:p>
             <a:fld id="{40636F93-AAE2-4FC4-B77D-02B590E4C869}" type="datetimeFigureOut">
               <a:rPr lang="es-ES" smtClean="0"/>
-              <a:t>17/05/2022</a:t>
+              <a:t>19/05/2022</a:t>
             </a:fld>
             <a:endParaRPr lang="es-ES"/>
           </a:p>
@@ -4454,7 +4445,7 @@
           <a:p>
             <a:fld id="{40636F93-AAE2-4FC4-B77D-02B590E4C869}" type="datetimeFigureOut">
               <a:rPr lang="es-ES" smtClean="0"/>
-              <a:t>17/05/2022</a:t>
+              <a:t>19/05/2022</a:t>
             </a:fld>
             <a:endParaRPr lang="es-ES"/>
           </a:p>
@@ -4709,7 +4700,7 @@
           <a:p>
             <a:fld id="{40636F93-AAE2-4FC4-B77D-02B590E4C869}" type="datetimeFigureOut">
               <a:rPr lang="es-ES" smtClean="0"/>
-              <a:t>17/05/2022</a:t>
+              <a:t>19/05/2022</a:t>
             </a:fld>
             <a:endParaRPr lang="es-ES"/>
           </a:p>
@@ -5024,7 +5015,7 @@
           <a:p>
             <a:fld id="{40636F93-AAE2-4FC4-B77D-02B590E4C869}" type="datetimeFigureOut">
               <a:rPr lang="es-ES" smtClean="0"/>
-              <a:t>17/05/2022</a:t>
+              <a:t>19/05/2022</a:t>
             </a:fld>
             <a:endParaRPr lang="es-ES"/>
           </a:p>
@@ -5375,7 +5366,7 @@
           <a:p>
             <a:fld id="{40636F93-AAE2-4FC4-B77D-02B590E4C869}" type="datetimeFigureOut">
               <a:rPr lang="es-ES" smtClean="0"/>
-              <a:t>17/05/2022</a:t>
+              <a:t>19/05/2022</a:t>
             </a:fld>
             <a:endParaRPr lang="es-ES"/>
           </a:p>
@@ -5944,7 +5935,6 @@
               <a:rPr lang="es-ES" sz="3200" dirty="0"/>
               <a:t>Aplicación de gestión, comunicación y motivación empresarial</a:t>
             </a:r>
-            <a:endParaRPr lang="es-ES" sz="3200" dirty="0"/>
           </a:p>
         </p:txBody>
       </p:sp>
@@ -6031,12 +6021,8 @@
           <a:lstStyle/>
           <a:p>
             <a:r>
-              <a:rPr lang="es-ES" dirty="0" err="1" smtClean="0"/>
-              <a:t>Uml</a:t>
-            </a:r>
-            <a:r>
               <a:rPr lang="es-ES" dirty="0" smtClean="0"/>
-              <a:t> Actividades</a:t>
+              <a:t>Bases de datos</a:t>
             </a:r>
             <a:endParaRPr lang="es-ES" dirty="0"/>
           </a:p>
@@ -6044,47 +6030,93 @@
       </p:sp>
       <p:sp>
         <p:nvSpPr>
-          <p:cNvPr id="3" name="Marcador de contenido 2"/>
-          <p:cNvSpPr>
-            <a:spLocks noGrp="1"/>
+          <p:cNvPr id="4" name="AutoShape 2" descr="Comparativa Bases de Datos 2019"/>
+          <p:cNvSpPr>
+            <a:spLocks noGrp="1" noChangeAspect="1" noChangeArrowheads="1"/>
           </p:cNvSpPr>
           <p:nvPr>
             <p:ph idx="1"/>
           </p:nvPr>
         </p:nvSpPr>
-        <p:spPr/>
-        <p:txBody>
-          <a:bodyPr/>
-          <a:lstStyle/>
-          <a:p>
+        <p:spPr bwMode="auto">
+          <a:xfrm>
+            <a:off x="1417321" y="2908662"/>
+            <a:ext cx="4844142" cy="2897537"/>
+          </a:xfrm>
+          <a:prstGeom prst="rect">
+            <a:avLst/>
+          </a:prstGeom>
+          <a:noFill/>
+          <a:extLst>
+            <a:ext uri="{909E8E84-426E-40DD-AFC4-6F175D3DCCD1}">
+              <a14:hiddenFill xmlns:a14="http://schemas.microsoft.com/office/drawing/2010/main">
+                <a:solidFill>
+                  <a:srgbClr val="FFFFFF"/>
+                </a:solidFill>
+              </a14:hiddenFill>
+            </a:ext>
+          </a:extLst>
+        </p:spPr>
+        <p:txBody>
+          <a:bodyPr vert="horz" wrap="square" lIns="91440" tIns="45720" rIns="91440" bIns="45720" numCol="1" anchor="t" anchorCtr="0" compatLnSpc="1">
+            <a:prstTxWarp prst="textNoShape">
+              <a:avLst/>
+            </a:prstTxWarp>
+            <a:normAutofit/>
+          </a:bodyPr>
+          <a:lstStyle/>
+          <a:p>
+            <a:r>
+              <a:rPr lang="es-ES" dirty="0"/>
+              <a:t>Nuestra base de </a:t>
+            </a:r>
             <a:r>
               <a:rPr lang="es-ES" dirty="0" smtClean="0"/>
-              <a:t>Foto del </a:t>
-            </a:r>
-            <a:r>
-              <a:rPr lang="es-ES" dirty="0" err="1" smtClean="0"/>
-              <a:t>diagrma</a:t>
+              <a:t>datos principalmente</a:t>
+            </a:r>
+            <a:r>
+              <a:rPr lang="es-ES" dirty="0"/>
+              <a:t>, se centra en almacenar datos de </a:t>
             </a:r>
             <a:r>
               <a:rPr lang="es-ES" dirty="0" smtClean="0"/>
-              <a:t> </a:t>
-            </a:r>
-            <a:r>
-              <a:rPr lang="es-ES" dirty="0" err="1" smtClean="0"/>
-              <a:t>uml</a:t>
-            </a:r>
-            <a:r>
-              <a:rPr lang="es-ES" dirty="0" smtClean="0"/>
-              <a:t> actividades</a:t>
+              <a:t>los trabajadores, sus tareas, eventos, reuniones y los puntos para canjear en la tienda.</a:t>
             </a:r>
             <a:endParaRPr lang="es-ES" dirty="0"/>
           </a:p>
-        </p:txBody>
-      </p:sp>
+          <a:p>
+            <a:endParaRPr lang="es-ES" dirty="0"/>
+          </a:p>
+        </p:txBody>
+      </p:sp>
+      <p:pic>
+        <p:nvPicPr>
+          <p:cNvPr id="6" name="Imagen 5"/>
+          <p:cNvPicPr>
+            <a:picLocks noChangeAspect="1"/>
+          </p:cNvPicPr>
+          <p:nvPr/>
+        </p:nvPicPr>
+        <p:blipFill>
+          <a:blip r:embed="rId2"/>
+          <a:stretch>
+            <a:fillRect/>
+          </a:stretch>
+        </p:blipFill>
+        <p:spPr>
+          <a:xfrm>
+            <a:off x="6670765" y="2556932"/>
+            <a:ext cx="4452255" cy="3164599"/>
+          </a:xfrm>
+          <a:prstGeom prst="rect">
+            <a:avLst/>
+          </a:prstGeom>
+        </p:spPr>
+      </p:pic>
     </p:spTree>
     <p:extLst>
       <p:ext uri="{BB962C8B-B14F-4D97-AF65-F5344CB8AC3E}">
-        <p14:creationId xmlns:p14="http://schemas.microsoft.com/office/powerpoint/2010/main" val="1740029650"/>
+        <p14:creationId xmlns:p14="http://schemas.microsoft.com/office/powerpoint/2010/main" val="597557410"/>
       </p:ext>
     </p:extLst>
   </p:cSld>
@@ -6135,7 +6167,7 @@
           <a:p>
             <a:r>
               <a:rPr lang="es-ES" dirty="0" smtClean="0"/>
-              <a:t>Bases de datos</a:t>
+              <a:t>Ventajas</a:t>
             </a:r>
             <a:endParaRPr lang="es-ES" dirty="0"/>
           </a:p>
@@ -6143,93 +6175,69 @@
       </p:sp>
       <p:sp>
         <p:nvSpPr>
-          <p:cNvPr id="4" name="AutoShape 2" descr="Comparativa Bases de Datos 2019"/>
-          <p:cNvSpPr>
-            <a:spLocks noGrp="1" noChangeAspect="1" noChangeArrowheads="1"/>
+          <p:cNvPr id="3" name="Marcador de contenido 2"/>
+          <p:cNvSpPr>
+            <a:spLocks noGrp="1"/>
           </p:cNvSpPr>
           <p:nvPr>
             <p:ph idx="1"/>
           </p:nvPr>
         </p:nvSpPr>
-        <p:spPr bwMode="auto">
-          <a:xfrm>
-            <a:off x="1417322" y="2908662"/>
-            <a:ext cx="3320142" cy="2897537"/>
-          </a:xfrm>
-          <a:prstGeom prst="rect">
-            <a:avLst/>
-          </a:prstGeom>
-          <a:noFill/>
-          <a:extLst>
-            <a:ext uri="{909E8E84-426E-40DD-AFC4-6F175D3DCCD1}">
-              <a14:hiddenFill xmlns:a14="http://schemas.microsoft.com/office/drawing/2010/main">
-                <a:solidFill>
-                  <a:srgbClr val="FFFFFF"/>
-                </a:solidFill>
-              </a14:hiddenFill>
-            </a:ext>
-          </a:extLst>
-        </p:spPr>
-        <p:txBody>
-          <a:bodyPr vert="horz" wrap="square" lIns="91440" tIns="45720" rIns="91440" bIns="45720" numCol="1" anchor="t" anchorCtr="0" compatLnSpc="1">
-            <a:prstTxWarp prst="textNoShape">
-              <a:avLst/>
-            </a:prstTxWarp>
-            <a:normAutofit lnSpcReduction="10000"/>
-          </a:bodyPr>
-          <a:lstStyle/>
-          <a:p>
-            <a:r>
-              <a:rPr lang="es-ES" dirty="0"/>
-              <a:t>Nuestra base de </a:t>
-            </a:r>
+        <p:spPr/>
+        <p:txBody>
+          <a:bodyPr/>
+          <a:lstStyle/>
+          <a:p>
             <a:r>
               <a:rPr lang="es-ES" dirty="0" smtClean="0"/>
-              <a:t>datos principalmente</a:t>
-            </a:r>
-            <a:r>
-              <a:rPr lang="es-ES" dirty="0"/>
-              <a:t>, se centra en almacenar datos de </a:t>
-            </a:r>
+              <a:t>Tienda de puntos</a:t>
+            </a:r>
+          </a:p>
+          <a:p>
+            <a:r>
+              <a:rPr lang="es-ES" dirty="0" err="1" smtClean="0"/>
+              <a:t>User-friendly</a:t>
+            </a:r>
+            <a:endParaRPr lang="es-ES" dirty="0" smtClean="0"/>
+          </a:p>
+          <a:p>
             <a:r>
               <a:rPr lang="es-ES" dirty="0" smtClean="0"/>
-              <a:t>los trabajadores , sus tareas , eventos , reuniones y los puntos para canjear en la tienda.</a:t>
-            </a:r>
+              <a:t>Intuitiva</a:t>
+            </a:r>
+          </a:p>
+          <a:p>
+            <a:r>
+              <a:rPr lang="es-ES" dirty="0" err="1" smtClean="0"/>
+              <a:t>It</a:t>
+            </a:r>
+            <a:r>
+              <a:rPr lang="es-ES" dirty="0" smtClean="0"/>
+              <a:t> </a:t>
+            </a:r>
+            <a:r>
+              <a:rPr lang="es-ES" dirty="0" err="1" smtClean="0"/>
+              <a:t>just</a:t>
+            </a:r>
+            <a:r>
+              <a:rPr lang="es-ES" dirty="0" smtClean="0"/>
+              <a:t> </a:t>
+            </a:r>
+            <a:r>
+              <a:rPr lang="es-ES" dirty="0" err="1" smtClean="0"/>
+              <a:t>works</a:t>
+            </a:r>
+            <a:endParaRPr lang="es-ES" dirty="0" smtClean="0"/>
+          </a:p>
+          <a:p>
             <a:endParaRPr lang="es-ES" dirty="0"/>
           </a:p>
-          <a:p>
-            <a:endParaRPr lang="es-ES" dirty="0"/>
-          </a:p>
-        </p:txBody>
-      </p:sp>
-      <p:pic>
-        <p:nvPicPr>
-          <p:cNvPr id="6" name="Imagen 5"/>
-          <p:cNvPicPr>
-            <a:picLocks noChangeAspect="1"/>
-          </p:cNvPicPr>
-          <p:nvPr/>
-        </p:nvPicPr>
-        <p:blipFill>
-          <a:blip r:embed="rId2"/>
-          <a:stretch>
-            <a:fillRect/>
-          </a:stretch>
-        </p:blipFill>
-        <p:spPr>
-          <a:xfrm>
-            <a:off x="6670765" y="2556932"/>
-            <a:ext cx="4452255" cy="3164599"/>
-          </a:xfrm>
-          <a:prstGeom prst="rect">
-            <a:avLst/>
-          </a:prstGeom>
-        </p:spPr>
-      </p:pic>
+        </p:txBody>
+      </p:sp>
     </p:spTree>
     <p:extLst>
       <p:ext uri="{BB962C8B-B14F-4D97-AF65-F5344CB8AC3E}">
-        <p14:creationId xmlns:p14="http://schemas.microsoft.com/office/powerpoint/2010/main" val="597557410"/>
+        <p14:creationId xmlns:p14="http://schemas.microsoft.com/office/powerpoint/2010/main" val="36163701"/>
       </p:ext>
     </p:extLst>
   </p:cSld>
@@ -6280,7 +6288,7 @@
           <a:p>
             <a:r>
               <a:rPr lang="es-ES" dirty="0" smtClean="0"/>
-              <a:t>Modelo Entidad Relación</a:t>
+              <a:t>Sitio web/Vista de la aplicación</a:t>
             </a:r>
             <a:endParaRPr lang="es-ES" dirty="0"/>
           </a:p>
@@ -6296,67 +6304,25 @@
             <p:ph idx="1"/>
           </p:nvPr>
         </p:nvSpPr>
-        <p:spPr>
-          <a:xfrm>
-            <a:off x="1140823" y="2882538"/>
-            <a:ext cx="2804161" cy="2993330"/>
-          </a:xfrm>
-        </p:spPr>
-        <p:txBody>
-          <a:bodyPr>
-            <a:normAutofit/>
-          </a:bodyPr>
-          <a:lstStyle/>
-          <a:p>
-            <a:r>
-              <a:rPr lang="es-ES" dirty="0" smtClean="0"/>
-              <a:t>EL Modelo Entidad </a:t>
-            </a:r>
-            <a:r>
-              <a:rPr lang="es-ES" dirty="0" err="1" smtClean="0"/>
-              <a:t>Relacion</a:t>
-            </a:r>
-            <a:r>
-              <a:rPr lang="es-ES" dirty="0" smtClean="0"/>
-              <a:t> es el que utilizamos para guiarnos a la hora de crear la base de datos para la aplicación.</a:t>
-            </a:r>
-          </a:p>
-        </p:txBody>
-      </p:sp>
-      <p:pic>
-        <p:nvPicPr>
-          <p:cNvPr id="4" name="Imagen 3"/>
-          <p:cNvPicPr>
-            <a:picLocks noChangeAspect="1"/>
-          </p:cNvPicPr>
-          <p:nvPr/>
-        </p:nvPicPr>
-        <p:blipFill>
-          <a:blip r:embed="rId2">
-            <a:extLst>
-              <a:ext uri="{28A0092B-C50C-407E-A947-70E740481C1C}">
-                <a14:useLocalDpi xmlns:a14="http://schemas.microsoft.com/office/drawing/2010/main" val="0"/>
-              </a:ext>
-            </a:extLst>
-          </a:blip>
-          <a:stretch>
-            <a:fillRect/>
-          </a:stretch>
-        </p:blipFill>
-        <p:spPr>
-          <a:xfrm>
-            <a:off x="4371703" y="2556932"/>
-            <a:ext cx="6714307" cy="3443274"/>
-          </a:xfrm>
-          <a:prstGeom prst="rect">
-            <a:avLst/>
-          </a:prstGeom>
-        </p:spPr>
-      </p:pic>
+        <p:spPr/>
+        <p:txBody>
+          <a:bodyPr/>
+          <a:lstStyle/>
+          <a:p>
+            <a:r>
+              <a:rPr lang="es-ES" u="sng" dirty="0">
+                <a:hlinkClick r:id="rId2"/>
+              </a:rPr>
+              <a:t>http://pi-grupo-verde.s3-website-us-east-1.amazonaws.com/</a:t>
+            </a:r>
+            <a:endParaRPr lang="es-ES" dirty="0" smtClean="0"/>
+          </a:p>
+        </p:txBody>
+      </p:sp>
     </p:spTree>
     <p:extLst>
       <p:ext uri="{BB962C8B-B14F-4D97-AF65-F5344CB8AC3E}">
-        <p14:creationId xmlns:p14="http://schemas.microsoft.com/office/powerpoint/2010/main" val="1884275593"/>
+        <p14:creationId xmlns:p14="http://schemas.microsoft.com/office/powerpoint/2010/main" val="1819880168"/>
       </p:ext>
     </p:extLst>
   </p:cSld>
@@ -6400,19 +6366,14 @@
             <p:ph type="title"/>
           </p:nvPr>
         </p:nvSpPr>
-        <p:spPr>
-          <a:xfrm>
-            <a:off x="1295402" y="982132"/>
-            <a:ext cx="9601196" cy="1038257"/>
-          </a:xfrm>
-        </p:spPr>
+        <p:spPr/>
         <p:txBody>
           <a:bodyPr/>
           <a:lstStyle/>
           <a:p>
             <a:r>
               <a:rPr lang="es-ES" dirty="0" smtClean="0"/>
-              <a:t>Tríptico parte delantera</a:t>
+              <a:t>Herramientas utilizadas</a:t>
             </a:r>
             <a:endParaRPr lang="es-ES" dirty="0"/>
           </a:p>
@@ -6420,7 +6381,43 @@
       </p:sp>
       <p:pic>
         <p:nvPicPr>
-          <p:cNvPr id="4" name="Marcador de contenido 3"/>
+          <p:cNvPr id="4" name="Imagen 3" descr="Icono&#10;&#10;Descripción generada automáticamente">
+            <a:extLst>
+              <a:ext uri="{FF2B5EF4-FFF2-40B4-BE49-F238E27FC236}">
+                <a16:creationId xmlns:a16="http://schemas.microsoft.com/office/drawing/2014/main" id="{0AD34D4E-68FE-4871-AFB7-50E92FBD0E8D}"/>
+              </a:ext>
+            </a:extLst>
+          </p:cNvPr>
+          <p:cNvPicPr>
+            <a:picLocks noChangeAspect="1"/>
+          </p:cNvPicPr>
+          <p:nvPr/>
+        </p:nvPicPr>
+        <p:blipFill>
+          <a:blip r:embed="rId2"/>
+          <a:stretch>
+            <a:fillRect/>
+          </a:stretch>
+        </p:blipFill>
+        <p:spPr>
+          <a:xfrm>
+            <a:off x="1358538" y="2410097"/>
+            <a:ext cx="1053736" cy="1308463"/>
+          </a:xfrm>
+          <a:prstGeom prst="rect">
+            <a:avLst/>
+          </a:prstGeom>
+        </p:spPr>
+      </p:pic>
+      <p:pic>
+        <p:nvPicPr>
+          <p:cNvPr id="5" name="Marcador de contenido 4" descr="Logotipo&#10;&#10;Descripción generada automáticamente con confianza media">
+            <a:extLst>
+              <a:ext uri="{FF2B5EF4-FFF2-40B4-BE49-F238E27FC236}">
+                <a16:creationId xmlns:a16="http://schemas.microsoft.com/office/drawing/2014/main" id="{9066032E-4617-41AB-AA90-C601FF766C29}"/>
+              </a:ext>
+            </a:extLst>
+          </p:cNvPr>
           <p:cNvPicPr>
             <a:picLocks noGrp="1" noChangeAspect="1"/>
           </p:cNvPicPr>
@@ -6429,7 +6426,115 @@
           </p:nvPr>
         </p:nvPicPr>
         <p:blipFill>
-          <a:blip r:embed="rId2" cstate="print">
+          <a:blip r:embed="rId3"/>
+          <a:stretch>
+            <a:fillRect/>
+          </a:stretch>
+        </p:blipFill>
+        <p:spPr>
+          <a:xfrm>
+            <a:off x="3679453" y="4492263"/>
+            <a:ext cx="1676400" cy="1133475"/>
+          </a:xfrm>
+          <a:prstGeom prst="rect">
+            <a:avLst/>
+          </a:prstGeom>
+        </p:spPr>
+      </p:pic>
+      <p:pic>
+        <p:nvPicPr>
+          <p:cNvPr id="6" name="Imagen 5" descr="Icono&#10;&#10;Descripción generada automáticamente">
+            <a:extLst>
+              <a:ext uri="{FF2B5EF4-FFF2-40B4-BE49-F238E27FC236}">
+                <a16:creationId xmlns:a16="http://schemas.microsoft.com/office/drawing/2014/main" id="{6707DF3D-21CC-455C-815C-6DA9AF8F45B5}"/>
+              </a:ext>
+            </a:extLst>
+          </p:cNvPr>
+          <p:cNvPicPr>
+            <a:picLocks noChangeAspect="1"/>
+          </p:cNvPicPr>
+          <p:nvPr/>
+        </p:nvPicPr>
+        <p:blipFill>
+          <a:blip r:embed="rId4"/>
+          <a:stretch>
+            <a:fillRect/>
+          </a:stretch>
+        </p:blipFill>
+        <p:spPr>
+          <a:xfrm>
+            <a:off x="6409508" y="2556374"/>
+            <a:ext cx="1445623" cy="1317172"/>
+          </a:xfrm>
+          <a:prstGeom prst="rect">
+            <a:avLst/>
+          </a:prstGeom>
+        </p:spPr>
+      </p:pic>
+      <p:pic>
+        <p:nvPicPr>
+          <p:cNvPr id="7" name="Imagen 6" descr="Icono&#10;&#10;Descripción generada automáticamente">
+            <a:extLst>
+              <a:ext uri="{FF2B5EF4-FFF2-40B4-BE49-F238E27FC236}">
+                <a16:creationId xmlns:a16="http://schemas.microsoft.com/office/drawing/2014/main" id="{E21A8ED4-5ECC-4E7D-A038-A203BD877B47}"/>
+              </a:ext>
+            </a:extLst>
+          </p:cNvPr>
+          <p:cNvPicPr>
+            <a:picLocks noChangeAspect="1"/>
+          </p:cNvPicPr>
+          <p:nvPr/>
+        </p:nvPicPr>
+        <p:blipFill>
+          <a:blip r:embed="rId5"/>
+          <a:stretch>
+            <a:fillRect/>
+          </a:stretch>
+        </p:blipFill>
+        <p:spPr>
+          <a:xfrm>
+            <a:off x="8722358" y="2556374"/>
+            <a:ext cx="1309916" cy="1439090"/>
+          </a:xfrm>
+          <a:prstGeom prst="rect">
+            <a:avLst/>
+          </a:prstGeom>
+        </p:spPr>
+      </p:pic>
+      <p:pic>
+        <p:nvPicPr>
+          <p:cNvPr id="10" name="Imagen 9"/>
+          <p:cNvPicPr>
+            <a:picLocks noChangeAspect="1"/>
+          </p:cNvPicPr>
+          <p:nvPr/>
+        </p:nvPicPr>
+        <p:blipFill>
+          <a:blip r:embed="rId6"/>
+          <a:stretch>
+            <a:fillRect/>
+          </a:stretch>
+        </p:blipFill>
+        <p:spPr>
+          <a:xfrm>
+            <a:off x="1227499" y="4187871"/>
+            <a:ext cx="1463449" cy="1437867"/>
+          </a:xfrm>
+          <a:prstGeom prst="rect">
+            <a:avLst/>
+          </a:prstGeom>
+        </p:spPr>
+      </p:pic>
+      <p:pic>
+        <p:nvPicPr>
+          <p:cNvPr id="11" name="Imagen 10"/>
+          <p:cNvPicPr>
+            <a:picLocks noChangeAspect="1"/>
+          </p:cNvPicPr>
+          <p:nvPr/>
+        </p:nvPicPr>
+        <p:blipFill>
+          <a:blip r:embed="rId7">
             <a:extLst>
               <a:ext uri="{28A0092B-C50C-407E-A947-70E740481C1C}">
                 <a14:useLocalDpi xmlns:a14="http://schemas.microsoft.com/office/drawing/2010/main" val="0"/>
@@ -6442,15 +6547,18 @@
         </p:blipFill>
         <p:spPr>
           <a:xfrm>
-            <a:off x="3114339" y="2603863"/>
-            <a:ext cx="5663902" cy="3222172"/>
-          </a:xfrm>
+            <a:off x="3465929" y="2868220"/>
+            <a:ext cx="1889924" cy="693480"/>
+          </a:xfrm>
+          <a:prstGeom prst="rect">
+            <a:avLst/>
+          </a:prstGeom>
         </p:spPr>
       </p:pic>
     </p:spTree>
     <p:extLst>
       <p:ext uri="{BB962C8B-B14F-4D97-AF65-F5344CB8AC3E}">
-        <p14:creationId xmlns:p14="http://schemas.microsoft.com/office/powerpoint/2010/main" val="3155674492"/>
+        <p14:creationId xmlns:p14="http://schemas.microsoft.com/office/powerpoint/2010/main" val="2013193485"/>
       </p:ext>
     </p:extLst>
   </p:cSld>
@@ -6501,45 +6609,39 @@
           <a:p>
             <a:r>
               <a:rPr lang="es-ES" dirty="0" smtClean="0"/>
-              <a:t>Tríptico parte trasera</a:t>
+              <a:t>Adversidades encontradas</a:t>
             </a:r>
             <a:endParaRPr lang="es-ES" dirty="0"/>
           </a:p>
         </p:txBody>
       </p:sp>
-      <p:pic>
-        <p:nvPicPr>
-          <p:cNvPr id="4" name="Marcador de contenido 3"/>
-          <p:cNvPicPr>
-            <a:picLocks noGrp="1" noChangeAspect="1"/>
-          </p:cNvPicPr>
+      <p:sp>
+        <p:nvSpPr>
+          <p:cNvPr id="6" name="Marcador de contenido 5"/>
+          <p:cNvSpPr>
+            <a:spLocks noGrp="1"/>
+          </p:cNvSpPr>
           <p:nvPr>
             <p:ph idx="1"/>
           </p:nvPr>
-        </p:nvPicPr>
-        <p:blipFill>
-          <a:blip r:embed="rId2" cstate="print">
-            <a:extLst>
-              <a:ext uri="{28A0092B-C50C-407E-A947-70E740481C1C}">
-                <a14:useLocalDpi xmlns:a14="http://schemas.microsoft.com/office/drawing/2010/main" val="0"/>
-              </a:ext>
-            </a:extLst>
-          </a:blip>
-          <a:stretch>
-            <a:fillRect/>
-          </a:stretch>
-        </p:blipFill>
-        <p:spPr>
-          <a:xfrm>
-            <a:off x="3457303" y="2513920"/>
-            <a:ext cx="5860868" cy="3643040"/>
-          </a:xfrm>
-        </p:spPr>
-      </p:pic>
+        </p:nvSpPr>
+        <p:spPr/>
+        <p:txBody>
+          <a:bodyPr/>
+          <a:lstStyle/>
+          <a:p>
+            <a:r>
+              <a:rPr lang="es-ES" dirty="0" smtClean="0"/>
+              <a:t>Buscar foto</a:t>
+            </a:r>
+            <a:endParaRPr lang="es-ES" dirty="0"/>
+          </a:p>
+        </p:txBody>
+      </p:sp>
     </p:spTree>
     <p:extLst>
       <p:ext uri="{BB962C8B-B14F-4D97-AF65-F5344CB8AC3E}">
-        <p14:creationId xmlns:p14="http://schemas.microsoft.com/office/powerpoint/2010/main" val="2471067668"/>
+        <p14:creationId xmlns:p14="http://schemas.microsoft.com/office/powerpoint/2010/main" val="946771524"/>
       </p:ext>
     </p:extLst>
   </p:cSld>
@@ -6590,7 +6692,7 @@
           <a:p>
             <a:r>
               <a:rPr lang="es-ES" dirty="0" smtClean="0"/>
-              <a:t>Ventajas</a:t>
+              <a:t>Conclusión</a:t>
             </a:r>
             <a:endParaRPr lang="es-ES" dirty="0"/>
           </a:p>
@@ -6611,519 +6713,24 @@
           <a:bodyPr/>
           <a:lstStyle/>
           <a:p>
-            <a:endParaRPr lang="es-ES"/>
+            <a:r>
+              <a:rPr lang="es-ES" dirty="0" smtClean="0"/>
+              <a:t>Sirve para organizar a los empleados</a:t>
+            </a:r>
+          </a:p>
+          <a:p>
+            <a:r>
+              <a:rPr lang="es-ES" dirty="0" smtClean="0"/>
+              <a:t>Va dirigida tanto para los empleados como para el trabajador</a:t>
+            </a:r>
+            <a:endParaRPr lang="es-ES" dirty="0"/>
           </a:p>
         </p:txBody>
       </p:sp>
     </p:spTree>
     <p:extLst>
       <p:ext uri="{BB962C8B-B14F-4D97-AF65-F5344CB8AC3E}">
-        <p14:creationId xmlns:p14="http://schemas.microsoft.com/office/powerpoint/2010/main" val="36163701"/>
-      </p:ext>
-    </p:extLst>
-  </p:cSld>
-  <p:clrMapOvr>
-    <a:masterClrMapping/>
-  </p:clrMapOvr>
-  <p:timing>
-    <p:tnLst>
-      <p:par>
-        <p:cTn id="1" dur="indefinite" restart="never" nodeType="tmRoot"/>
-      </p:par>
-    </p:tnLst>
-  </p:timing>
-</p:sld>
-</file>
-
-<file path=ppt/slides/slide16.xml><?xml version="1.0" encoding="utf-8"?>
-<p:sld xmlns:a="http://schemas.openxmlformats.org/drawingml/2006/main" xmlns:r="http://schemas.openxmlformats.org/officeDocument/2006/relationships" xmlns:p="http://schemas.openxmlformats.org/presentationml/2006/main">
-  <p:cSld>
-    <p:spTree>
-      <p:nvGrpSpPr>
-        <p:cNvPr id="1" name=""/>
-        <p:cNvGrpSpPr/>
-        <p:nvPr/>
-      </p:nvGrpSpPr>
-      <p:grpSpPr>
-        <a:xfrm>
-          <a:off x="0" y="0"/>
-          <a:ext cx="0" cy="0"/>
-          <a:chOff x="0" y="0"/>
-          <a:chExt cx="0" cy="0"/>
-        </a:xfrm>
-      </p:grpSpPr>
-      <p:sp>
-        <p:nvSpPr>
-          <p:cNvPr id="2" name="Título 1"/>
-          <p:cNvSpPr>
-            <a:spLocks noGrp="1"/>
-          </p:cNvSpPr>
-          <p:nvPr>
-            <p:ph type="title"/>
-          </p:nvPr>
-        </p:nvSpPr>
-        <p:spPr/>
-        <p:txBody>
-          <a:bodyPr/>
-          <a:lstStyle/>
-          <a:p>
-            <a:r>
-              <a:rPr lang="es-ES" dirty="0" smtClean="0"/>
-              <a:t>Sitio web/Vista de la </a:t>
-            </a:r>
-            <a:r>
-              <a:rPr lang="es-ES" dirty="0" err="1" smtClean="0"/>
-              <a:t>aplicacion</a:t>
-            </a:r>
-            <a:endParaRPr lang="es-ES" dirty="0"/>
-          </a:p>
-        </p:txBody>
-      </p:sp>
-      <p:sp>
-        <p:nvSpPr>
-          <p:cNvPr id="3" name="Marcador de contenido 2"/>
-          <p:cNvSpPr>
-            <a:spLocks noGrp="1"/>
-          </p:cNvSpPr>
-          <p:nvPr>
-            <p:ph idx="1"/>
-          </p:nvPr>
-        </p:nvSpPr>
-        <p:spPr/>
-        <p:txBody>
-          <a:bodyPr/>
-          <a:lstStyle/>
-          <a:p>
-            <a:r>
-              <a:rPr lang="es-ES" dirty="0" smtClean="0"/>
-              <a:t>Esto será un link </a:t>
-            </a:r>
-          </a:p>
-          <a:p>
-            <a:endParaRPr lang="es-ES" dirty="0"/>
-          </a:p>
-          <a:p>
-            <a:r>
-              <a:rPr lang="es-ES" dirty="0" smtClean="0"/>
-              <a:t>Nos meteremos en el link mostraremos la pagina web y </a:t>
-            </a:r>
-            <a:r>
-              <a:rPr lang="es-ES" dirty="0" err="1" smtClean="0"/>
-              <a:t>descragaremos</a:t>
-            </a:r>
-            <a:r>
-              <a:rPr lang="es-ES" dirty="0" smtClean="0"/>
-              <a:t> la aplicación en directo haciendo una prueba de la misma.</a:t>
-            </a:r>
-          </a:p>
-        </p:txBody>
-      </p:sp>
-    </p:spTree>
-    <p:extLst>
-      <p:ext uri="{BB962C8B-B14F-4D97-AF65-F5344CB8AC3E}">
-        <p14:creationId xmlns:p14="http://schemas.microsoft.com/office/powerpoint/2010/main" val="1819880168"/>
-      </p:ext>
-    </p:extLst>
-  </p:cSld>
-  <p:clrMapOvr>
-    <a:masterClrMapping/>
-  </p:clrMapOvr>
-  <p:timing>
-    <p:tnLst>
-      <p:par>
-        <p:cTn id="1" dur="indefinite" restart="never" nodeType="tmRoot"/>
-      </p:par>
-    </p:tnLst>
-  </p:timing>
-</p:sld>
-</file>
-
-<file path=ppt/slides/slide17.xml><?xml version="1.0" encoding="utf-8"?>
-<p:sld xmlns:a="http://schemas.openxmlformats.org/drawingml/2006/main" xmlns:r="http://schemas.openxmlformats.org/officeDocument/2006/relationships" xmlns:p="http://schemas.openxmlformats.org/presentationml/2006/main">
-  <p:cSld>
-    <p:spTree>
-      <p:nvGrpSpPr>
-        <p:cNvPr id="1" name=""/>
-        <p:cNvGrpSpPr/>
-        <p:nvPr/>
-      </p:nvGrpSpPr>
-      <p:grpSpPr>
-        <a:xfrm>
-          <a:off x="0" y="0"/>
-          <a:ext cx="0" cy="0"/>
-          <a:chOff x="0" y="0"/>
-          <a:chExt cx="0" cy="0"/>
-        </a:xfrm>
-      </p:grpSpPr>
-      <p:sp>
-        <p:nvSpPr>
-          <p:cNvPr id="2" name="Título 1"/>
-          <p:cNvSpPr>
-            <a:spLocks noGrp="1"/>
-          </p:cNvSpPr>
-          <p:nvPr>
-            <p:ph type="title"/>
-          </p:nvPr>
-        </p:nvSpPr>
-        <p:spPr/>
-        <p:txBody>
-          <a:bodyPr/>
-          <a:lstStyle/>
-          <a:p>
-            <a:r>
-              <a:rPr lang="es-ES" dirty="0" smtClean="0"/>
-              <a:t>Herramientas utilizadas</a:t>
-            </a:r>
-            <a:endParaRPr lang="es-ES" dirty="0"/>
-          </a:p>
-        </p:txBody>
-      </p:sp>
-      <p:pic>
-        <p:nvPicPr>
-          <p:cNvPr id="4" name="Imagen 3" descr="Icono&#10;&#10;Descripción generada automáticamente">
-            <a:extLst>
-              <a:ext uri="{FF2B5EF4-FFF2-40B4-BE49-F238E27FC236}">
-                <a16:creationId xmlns:a16="http://schemas.microsoft.com/office/drawing/2014/main" id="{0AD34D4E-68FE-4871-AFB7-50E92FBD0E8D}"/>
-              </a:ext>
-            </a:extLst>
-          </p:cNvPr>
-          <p:cNvPicPr>
-            <a:picLocks noChangeAspect="1"/>
-          </p:cNvPicPr>
-          <p:nvPr/>
-        </p:nvPicPr>
-        <p:blipFill>
-          <a:blip r:embed="rId2"/>
-          <a:stretch>
-            <a:fillRect/>
-          </a:stretch>
-        </p:blipFill>
-        <p:spPr>
-          <a:xfrm>
-            <a:off x="1358538" y="2410097"/>
-            <a:ext cx="1053736" cy="1308463"/>
-          </a:xfrm>
-          <a:prstGeom prst="rect">
-            <a:avLst/>
-          </a:prstGeom>
-        </p:spPr>
-      </p:pic>
-      <p:pic>
-        <p:nvPicPr>
-          <p:cNvPr id="5" name="Marcador de contenido 4" descr="Logotipo&#10;&#10;Descripción generada automáticamente con confianza media">
-            <a:extLst>
-              <a:ext uri="{FF2B5EF4-FFF2-40B4-BE49-F238E27FC236}">
-                <a16:creationId xmlns:a16="http://schemas.microsoft.com/office/drawing/2014/main" id="{9066032E-4617-41AB-AA90-C601FF766C29}"/>
-              </a:ext>
-            </a:extLst>
-          </p:cNvPr>
-          <p:cNvPicPr>
-            <a:picLocks noGrp="1" noChangeAspect="1"/>
-          </p:cNvPicPr>
-          <p:nvPr>
-            <p:ph idx="1"/>
-          </p:nvPr>
-        </p:nvPicPr>
-        <p:blipFill>
-          <a:blip r:embed="rId3"/>
-          <a:stretch>
-            <a:fillRect/>
-          </a:stretch>
-        </p:blipFill>
-        <p:spPr>
-          <a:xfrm>
-            <a:off x="3679453" y="4492263"/>
-            <a:ext cx="1676400" cy="1133475"/>
-          </a:xfrm>
-          <a:prstGeom prst="rect">
-            <a:avLst/>
-          </a:prstGeom>
-        </p:spPr>
-      </p:pic>
-      <p:pic>
-        <p:nvPicPr>
-          <p:cNvPr id="6" name="Imagen 5" descr="Icono&#10;&#10;Descripción generada automáticamente">
-            <a:extLst>
-              <a:ext uri="{FF2B5EF4-FFF2-40B4-BE49-F238E27FC236}">
-                <a16:creationId xmlns:a16="http://schemas.microsoft.com/office/drawing/2014/main" id="{6707DF3D-21CC-455C-815C-6DA9AF8F45B5}"/>
-              </a:ext>
-            </a:extLst>
-          </p:cNvPr>
-          <p:cNvPicPr>
-            <a:picLocks noChangeAspect="1"/>
-          </p:cNvPicPr>
-          <p:nvPr/>
-        </p:nvPicPr>
-        <p:blipFill>
-          <a:blip r:embed="rId4"/>
-          <a:stretch>
-            <a:fillRect/>
-          </a:stretch>
-        </p:blipFill>
-        <p:spPr>
-          <a:xfrm>
-            <a:off x="6409508" y="2556374"/>
-            <a:ext cx="1445623" cy="1317172"/>
-          </a:xfrm>
-          <a:prstGeom prst="rect">
-            <a:avLst/>
-          </a:prstGeom>
-        </p:spPr>
-      </p:pic>
-      <p:pic>
-        <p:nvPicPr>
-          <p:cNvPr id="7" name="Imagen 6" descr="Icono&#10;&#10;Descripción generada automáticamente">
-            <a:extLst>
-              <a:ext uri="{FF2B5EF4-FFF2-40B4-BE49-F238E27FC236}">
-                <a16:creationId xmlns:a16="http://schemas.microsoft.com/office/drawing/2014/main" id="{E21A8ED4-5ECC-4E7D-A038-A203BD877B47}"/>
-              </a:ext>
-            </a:extLst>
-          </p:cNvPr>
-          <p:cNvPicPr>
-            <a:picLocks noChangeAspect="1"/>
-          </p:cNvPicPr>
-          <p:nvPr/>
-        </p:nvPicPr>
-        <p:blipFill>
-          <a:blip r:embed="rId5"/>
-          <a:stretch>
-            <a:fillRect/>
-          </a:stretch>
-        </p:blipFill>
-        <p:spPr>
-          <a:xfrm>
-            <a:off x="8722358" y="2556374"/>
-            <a:ext cx="1309916" cy="1439090"/>
-          </a:xfrm>
-          <a:prstGeom prst="rect">
-            <a:avLst/>
-          </a:prstGeom>
-        </p:spPr>
-      </p:pic>
-      <p:pic>
-        <p:nvPicPr>
-          <p:cNvPr id="10" name="Imagen 9"/>
-          <p:cNvPicPr>
-            <a:picLocks noChangeAspect="1"/>
-          </p:cNvPicPr>
-          <p:nvPr/>
-        </p:nvPicPr>
-        <p:blipFill>
-          <a:blip r:embed="rId6"/>
-          <a:stretch>
-            <a:fillRect/>
-          </a:stretch>
-        </p:blipFill>
-        <p:spPr>
-          <a:xfrm>
-            <a:off x="1227499" y="4187871"/>
-            <a:ext cx="1463449" cy="1437867"/>
-          </a:xfrm>
-          <a:prstGeom prst="rect">
-            <a:avLst/>
-          </a:prstGeom>
-        </p:spPr>
-      </p:pic>
-      <p:pic>
-        <p:nvPicPr>
-          <p:cNvPr id="11" name="Imagen 10"/>
-          <p:cNvPicPr>
-            <a:picLocks noChangeAspect="1"/>
-          </p:cNvPicPr>
-          <p:nvPr/>
-        </p:nvPicPr>
-        <p:blipFill>
-          <a:blip r:embed="rId7">
-            <a:extLst>
-              <a:ext uri="{28A0092B-C50C-407E-A947-70E740481C1C}">
-                <a14:useLocalDpi xmlns:a14="http://schemas.microsoft.com/office/drawing/2010/main" val="0"/>
-              </a:ext>
-            </a:extLst>
-          </a:blip>
-          <a:stretch>
-            <a:fillRect/>
-          </a:stretch>
-        </p:blipFill>
-        <p:spPr>
-          <a:xfrm>
-            <a:off x="3465929" y="2868220"/>
-            <a:ext cx="1889924" cy="693480"/>
-          </a:xfrm>
-          <a:prstGeom prst="rect">
-            <a:avLst/>
-          </a:prstGeom>
-        </p:spPr>
-      </p:pic>
-    </p:spTree>
-    <p:extLst>
-      <p:ext uri="{BB962C8B-B14F-4D97-AF65-F5344CB8AC3E}">
-        <p14:creationId xmlns:p14="http://schemas.microsoft.com/office/powerpoint/2010/main" val="2013193485"/>
-      </p:ext>
-    </p:extLst>
-  </p:cSld>
-  <p:clrMapOvr>
-    <a:masterClrMapping/>
-  </p:clrMapOvr>
-  <p:timing>
-    <p:tnLst>
-      <p:par>
-        <p:cTn id="1" dur="indefinite" restart="never" nodeType="tmRoot"/>
-      </p:par>
-    </p:tnLst>
-  </p:timing>
-</p:sld>
-</file>
-
-<file path=ppt/slides/slide18.xml><?xml version="1.0" encoding="utf-8"?>
-<p:sld xmlns:a="http://schemas.openxmlformats.org/drawingml/2006/main" xmlns:r="http://schemas.openxmlformats.org/officeDocument/2006/relationships" xmlns:p="http://schemas.openxmlformats.org/presentationml/2006/main">
-  <p:cSld>
-    <p:spTree>
-      <p:nvGrpSpPr>
-        <p:cNvPr id="1" name=""/>
-        <p:cNvGrpSpPr/>
-        <p:nvPr/>
-      </p:nvGrpSpPr>
-      <p:grpSpPr>
-        <a:xfrm>
-          <a:off x="0" y="0"/>
-          <a:ext cx="0" cy="0"/>
-          <a:chOff x="0" y="0"/>
-          <a:chExt cx="0" cy="0"/>
-        </a:xfrm>
-      </p:grpSpPr>
-      <p:sp>
-        <p:nvSpPr>
-          <p:cNvPr id="2" name="Título 1"/>
-          <p:cNvSpPr>
-            <a:spLocks noGrp="1"/>
-          </p:cNvSpPr>
-          <p:nvPr>
-            <p:ph type="title"/>
-          </p:nvPr>
-        </p:nvSpPr>
-        <p:spPr/>
-        <p:txBody>
-          <a:bodyPr/>
-          <a:lstStyle/>
-          <a:p>
-            <a:r>
-              <a:rPr lang="es-ES" dirty="0" smtClean="0"/>
-              <a:t>Adversidades encontradas</a:t>
-            </a:r>
-            <a:endParaRPr lang="es-ES" dirty="0"/>
-          </a:p>
-        </p:txBody>
-      </p:sp>
-      <p:sp>
-        <p:nvSpPr>
-          <p:cNvPr id="6" name="Marcador de contenido 5"/>
-          <p:cNvSpPr>
-            <a:spLocks noGrp="1"/>
-          </p:cNvSpPr>
-          <p:nvPr>
-            <p:ph idx="1"/>
-          </p:nvPr>
-        </p:nvSpPr>
-        <p:spPr/>
-        <p:txBody>
-          <a:bodyPr/>
-          <a:lstStyle/>
-          <a:p>
-            <a:r>
-              <a:rPr lang="es-ES" smtClean="0"/>
-              <a:t>Buscar foto</a:t>
-            </a:r>
-            <a:endParaRPr lang="es-ES"/>
-          </a:p>
-        </p:txBody>
-      </p:sp>
-    </p:spTree>
-    <p:extLst>
-      <p:ext uri="{BB962C8B-B14F-4D97-AF65-F5344CB8AC3E}">
-        <p14:creationId xmlns:p14="http://schemas.microsoft.com/office/powerpoint/2010/main" val="946771524"/>
-      </p:ext>
-    </p:extLst>
-  </p:cSld>
-  <p:clrMapOvr>
-    <a:masterClrMapping/>
-  </p:clrMapOvr>
-  <p:timing>
-    <p:tnLst>
-      <p:par>
-        <p:cTn id="1" dur="indefinite" restart="never" nodeType="tmRoot"/>
-      </p:par>
-    </p:tnLst>
-  </p:timing>
-</p:sld>
-</file>
-
-<file path=ppt/slides/slide19.xml><?xml version="1.0" encoding="utf-8"?>
-<p:sld xmlns:a="http://schemas.openxmlformats.org/drawingml/2006/main" xmlns:r="http://schemas.openxmlformats.org/officeDocument/2006/relationships" xmlns:p="http://schemas.openxmlformats.org/presentationml/2006/main">
-  <p:cSld>
-    <p:spTree>
-      <p:nvGrpSpPr>
-        <p:cNvPr id="1" name=""/>
-        <p:cNvGrpSpPr/>
-        <p:nvPr/>
-      </p:nvGrpSpPr>
-      <p:grpSpPr>
-        <a:xfrm>
-          <a:off x="0" y="0"/>
-          <a:ext cx="0" cy="0"/>
-          <a:chOff x="0" y="0"/>
-          <a:chExt cx="0" cy="0"/>
-        </a:xfrm>
-      </p:grpSpPr>
-      <p:sp>
-        <p:nvSpPr>
-          <p:cNvPr id="2" name="Título 1"/>
-          <p:cNvSpPr>
-            <a:spLocks noGrp="1"/>
-          </p:cNvSpPr>
-          <p:nvPr>
-            <p:ph type="title"/>
-          </p:nvPr>
-        </p:nvSpPr>
-        <p:spPr/>
-        <p:txBody>
-          <a:bodyPr/>
-          <a:lstStyle/>
-          <a:p>
-            <a:r>
-              <a:rPr lang="es-ES" dirty="0" smtClean="0"/>
-              <a:t>Resolución de problemas</a:t>
-            </a:r>
-            <a:endParaRPr lang="es-ES" dirty="0"/>
-          </a:p>
-        </p:txBody>
-      </p:sp>
-      <p:sp>
-        <p:nvSpPr>
-          <p:cNvPr id="3" name="Marcador de contenido 2"/>
-          <p:cNvSpPr>
-            <a:spLocks noGrp="1"/>
-          </p:cNvSpPr>
-          <p:nvPr>
-            <p:ph idx="1"/>
-          </p:nvPr>
-        </p:nvSpPr>
-        <p:spPr/>
-        <p:txBody>
-          <a:bodyPr/>
-          <a:lstStyle/>
-          <a:p>
-            <a:r>
-              <a:rPr lang="es-ES" dirty="0" smtClean="0"/>
-              <a:t>Buscar foto</a:t>
-            </a:r>
-            <a:endParaRPr lang="es-ES" dirty="0"/>
-          </a:p>
-        </p:txBody>
-      </p:sp>
-    </p:spTree>
-    <p:extLst>
-      <p:ext uri="{BB962C8B-B14F-4D97-AF65-F5344CB8AC3E}">
-        <p14:creationId xmlns:p14="http://schemas.microsoft.com/office/powerpoint/2010/main" val="3109638072"/>
+        <p14:creationId xmlns:p14="http://schemas.microsoft.com/office/powerpoint/2010/main" val="2982338901"/>
       </p:ext>
     </p:extLst>
   </p:cSld>
@@ -7192,393 +6799,98 @@
         </p:nvSpPr>
         <p:spPr>
           <a:xfrm>
-            <a:off x="1295401" y="2556932"/>
+            <a:off x="4270466" y="2644018"/>
             <a:ext cx="3651068" cy="3318936"/>
           </a:xfrm>
         </p:spPr>
         <p:txBody>
           <a:bodyPr>
-            <a:normAutofit/>
+            <a:normAutofit fontScale="85000" lnSpcReduction="20000"/>
           </a:bodyPr>
           <a:lstStyle/>
           <a:p>
             <a:r>
-              <a:rPr lang="es-ES" sz="1600" dirty="0" smtClean="0"/>
-              <a:t>Como </a:t>
-            </a:r>
-            <a:r>
-              <a:rPr lang="es-ES" sz="1600" dirty="0" err="1" smtClean="0"/>
-              <a:t>surgio</a:t>
-            </a:r>
-            <a:r>
-              <a:rPr lang="es-ES" sz="1600" dirty="0" smtClean="0"/>
-              <a:t> la idea</a:t>
-            </a:r>
-          </a:p>
-          <a:p>
-            <a:r>
-              <a:rPr lang="es-ES" sz="1600" dirty="0" smtClean="0"/>
-              <a:t>Forma en la que nos hemos organizado</a:t>
-            </a:r>
-          </a:p>
-          <a:p>
-            <a:r>
-              <a:rPr lang="es-ES" sz="1600" dirty="0" err="1" smtClean="0"/>
-              <a:t>MockUp</a:t>
-            </a:r>
+              <a:rPr lang="es-ES" sz="1900" dirty="0" smtClean="0"/>
+              <a:t>Como surgió la </a:t>
+            </a:r>
+            <a:r>
+              <a:rPr lang="es-ES" sz="1900" dirty="0" smtClean="0"/>
+              <a:t>idea</a:t>
+            </a:r>
+            <a:endParaRPr lang="es-ES" sz="1900" dirty="0" smtClean="0"/>
+          </a:p>
+          <a:p>
+            <a:r>
+              <a:rPr lang="es-ES" sz="1900" dirty="0" smtClean="0"/>
+              <a:t>El logo</a:t>
+            </a:r>
+          </a:p>
+          <a:p>
+            <a:r>
+              <a:rPr lang="es-ES" sz="1900" dirty="0" smtClean="0"/>
+              <a:t>Nombre de la Aplicación</a:t>
+            </a:r>
+          </a:p>
+          <a:p>
+            <a:r>
+              <a:rPr lang="es-ES" sz="1900" dirty="0" smtClean="0"/>
+              <a:t>Base </a:t>
+            </a:r>
+            <a:r>
+              <a:rPr lang="es-ES" sz="1900" dirty="0" smtClean="0"/>
+              <a:t>de </a:t>
+            </a:r>
+            <a:r>
+              <a:rPr lang="es-ES" sz="1900" dirty="0" smtClean="0"/>
+              <a:t>Datos</a:t>
+            </a:r>
+          </a:p>
+          <a:p>
+            <a:r>
+              <a:rPr lang="es-ES" sz="1900" dirty="0"/>
+              <a:t>Ventajas de la aplicación</a:t>
+            </a:r>
+          </a:p>
+          <a:p>
+            <a:r>
+              <a:rPr lang="es-ES" sz="1900" dirty="0"/>
+              <a:t>Sitio web</a:t>
+            </a:r>
+          </a:p>
+          <a:p>
+            <a:r>
+              <a:rPr lang="es-ES" sz="1900" dirty="0"/>
+              <a:t>Vista de la aplicación</a:t>
+            </a:r>
+          </a:p>
+          <a:p>
+            <a:r>
+              <a:rPr lang="es-ES" sz="1900" dirty="0"/>
+              <a:t>Herramientas utilizadas</a:t>
+            </a:r>
+          </a:p>
+          <a:p>
+            <a:r>
+              <a:rPr lang="es-ES" sz="1900" dirty="0"/>
+              <a:t>Adversidades encontradas</a:t>
+            </a:r>
+          </a:p>
+          <a:p>
+            <a:r>
+              <a:rPr lang="es-ES" sz="1900" dirty="0"/>
+              <a:t>Futuros </a:t>
+            </a:r>
+            <a:r>
+              <a:rPr lang="es-ES" sz="1900" dirty="0" err="1"/>
+              <a:t>sprints</a:t>
+            </a:r>
+            <a:endParaRPr lang="es-ES" sz="1900" dirty="0"/>
+          </a:p>
+          <a:p>
+            <a:pPr marL="0" indent="0">
+              <a:buNone/>
+            </a:pPr>
             <a:endParaRPr lang="es-ES" sz="1600" dirty="0" smtClean="0"/>
-          </a:p>
-          <a:p>
-            <a:r>
-              <a:rPr lang="es-ES" sz="1600" dirty="0" smtClean="0"/>
-              <a:t>El logo</a:t>
-            </a:r>
-          </a:p>
-          <a:p>
-            <a:r>
-              <a:rPr lang="es-ES" sz="1600" dirty="0" smtClean="0"/>
-              <a:t>Nombre de la Aplicación</a:t>
-            </a:r>
-          </a:p>
-          <a:p>
-            <a:r>
-              <a:rPr lang="es-ES" sz="1600" dirty="0" smtClean="0"/>
-              <a:t>Diagramas U.M.L</a:t>
-            </a:r>
-          </a:p>
-          <a:p>
-            <a:r>
-              <a:rPr lang="es-ES" sz="1600" dirty="0" smtClean="0"/>
-              <a:t>Base de Datos</a:t>
-            </a:r>
-          </a:p>
-          <a:p>
-            <a:r>
-              <a:rPr lang="es-ES" sz="1600" dirty="0"/>
-              <a:t>Modelo Entidad </a:t>
-            </a:r>
-            <a:r>
-              <a:rPr lang="es-ES" sz="1600" dirty="0" smtClean="0"/>
-              <a:t>Relación</a:t>
-            </a:r>
-            <a:endParaRPr lang="es-ES" sz="1600" dirty="0"/>
-          </a:p>
-          <a:p>
-            <a:r>
-              <a:rPr lang="es-ES" sz="1600" dirty="0" smtClean="0"/>
-              <a:t>El tríptico</a:t>
-            </a:r>
-            <a:endParaRPr lang="es-ES" sz="1600" dirty="0"/>
-          </a:p>
-        </p:txBody>
-      </p:sp>
-      <p:sp>
-        <p:nvSpPr>
-          <p:cNvPr id="4" name="Marcador de contenido 2"/>
-          <p:cNvSpPr txBox="1">
-            <a:spLocks/>
-          </p:cNvSpPr>
-          <p:nvPr/>
-        </p:nvSpPr>
-        <p:spPr>
-          <a:xfrm>
-            <a:off x="5654041" y="2556932"/>
-            <a:ext cx="3651068" cy="3318936"/>
-          </a:xfrm>
-          <a:prstGeom prst="rect">
-            <a:avLst/>
-          </a:prstGeom>
-        </p:spPr>
-        <p:txBody>
-          <a:bodyPr vert="horz" lIns="91440" tIns="45720" rIns="91440" bIns="45720" rtlCol="0" anchor="t">
-            <a:normAutofit/>
-          </a:bodyPr>
-          <a:lstStyle>
-            <a:lvl1pPr marL="285750" indent="-285750" algn="l" defTabSz="457200" rtl="0" eaLnBrk="1" latinLnBrk="0" hangingPunct="1">
-              <a:spcBef>
-                <a:spcPct val="20000"/>
-              </a:spcBef>
-              <a:spcAft>
-                <a:spcPts val="600"/>
-              </a:spcAft>
-              <a:buClr>
-                <a:schemeClr val="accent1"/>
-              </a:buClr>
-              <a:buSzPct val="115000"/>
-              <a:buFont typeface="Arial"/>
-              <a:buChar char="•"/>
-              <a:defRPr sz="2400" kern="1200" cap="none">
-                <a:solidFill>
-                  <a:schemeClr val="tx1">
-                    <a:lumMod val="85000"/>
-                    <a:lumOff val="15000"/>
-                  </a:schemeClr>
-                </a:solidFill>
-                <a:effectLst/>
-                <a:latin typeface="+mn-lt"/>
-                <a:ea typeface="+mn-ea"/>
-                <a:cs typeface="+mn-cs"/>
-              </a:defRPr>
-            </a:lvl1pPr>
-            <a:lvl2pPr marL="742950" indent="-285750" algn="l" defTabSz="457200" rtl="0" eaLnBrk="1" latinLnBrk="0" hangingPunct="1">
-              <a:spcBef>
-                <a:spcPct val="20000"/>
-              </a:spcBef>
-              <a:spcAft>
-                <a:spcPts val="600"/>
-              </a:spcAft>
-              <a:buClr>
-                <a:schemeClr val="accent1"/>
-              </a:buClr>
-              <a:buSzPct val="115000"/>
-              <a:buFont typeface="Arial"/>
-              <a:buChar char="•"/>
-              <a:defRPr sz="2000" kern="1200" cap="none">
-                <a:solidFill>
-                  <a:schemeClr val="tx1">
-                    <a:lumMod val="85000"/>
-                    <a:lumOff val="15000"/>
-                  </a:schemeClr>
-                </a:solidFill>
-                <a:effectLst/>
-                <a:latin typeface="+mn-lt"/>
-                <a:ea typeface="+mn-ea"/>
-                <a:cs typeface="+mn-cs"/>
-              </a:defRPr>
-            </a:lvl2pPr>
-            <a:lvl3pPr marL="1200150" indent="-285750" algn="l" defTabSz="457200" rtl="0" eaLnBrk="1" latinLnBrk="0" hangingPunct="1">
-              <a:spcBef>
-                <a:spcPct val="20000"/>
-              </a:spcBef>
-              <a:spcAft>
-                <a:spcPts val="600"/>
-              </a:spcAft>
-              <a:buClr>
-                <a:schemeClr val="accent1"/>
-              </a:buClr>
-              <a:buSzPct val="115000"/>
-              <a:buFont typeface="Arial"/>
-              <a:buChar char="•"/>
-              <a:defRPr sz="1800" kern="1200" cap="none">
-                <a:solidFill>
-                  <a:schemeClr val="tx1">
-                    <a:lumMod val="85000"/>
-                    <a:lumOff val="15000"/>
-                  </a:schemeClr>
-                </a:solidFill>
-                <a:effectLst/>
-                <a:latin typeface="+mn-lt"/>
-                <a:ea typeface="+mn-ea"/>
-                <a:cs typeface="+mn-cs"/>
-              </a:defRPr>
-            </a:lvl3pPr>
-            <a:lvl4pPr marL="1543050" indent="-171450" algn="l" defTabSz="457200" rtl="0" eaLnBrk="1" latinLnBrk="0" hangingPunct="1">
-              <a:spcBef>
-                <a:spcPct val="20000"/>
-              </a:spcBef>
-              <a:spcAft>
-                <a:spcPts val="600"/>
-              </a:spcAft>
-              <a:buClr>
-                <a:schemeClr val="accent1"/>
-              </a:buClr>
-              <a:buSzPct val="115000"/>
-              <a:buFont typeface="Arial"/>
-              <a:buChar char="•"/>
-              <a:defRPr sz="1600" kern="1200" cap="none">
-                <a:solidFill>
-                  <a:schemeClr val="tx1">
-                    <a:lumMod val="85000"/>
-                    <a:lumOff val="15000"/>
-                  </a:schemeClr>
-                </a:solidFill>
-                <a:effectLst/>
-                <a:latin typeface="+mn-lt"/>
-                <a:ea typeface="+mn-ea"/>
-                <a:cs typeface="+mn-cs"/>
-              </a:defRPr>
-            </a:lvl4pPr>
-            <a:lvl5pPr marL="2000250" indent="-171450" algn="l" defTabSz="457200" rtl="0" eaLnBrk="1" latinLnBrk="0" hangingPunct="1">
-              <a:spcBef>
-                <a:spcPct val="20000"/>
-              </a:spcBef>
-              <a:spcAft>
-                <a:spcPts val="600"/>
-              </a:spcAft>
-              <a:buClr>
-                <a:schemeClr val="accent1"/>
-              </a:buClr>
-              <a:buSzPct val="115000"/>
-              <a:buFont typeface="Arial"/>
-              <a:buChar char="•"/>
-              <a:defRPr sz="1400" kern="1200" cap="none">
-                <a:solidFill>
-                  <a:schemeClr val="tx1">
-                    <a:lumMod val="85000"/>
-                    <a:lumOff val="15000"/>
-                  </a:schemeClr>
-                </a:solidFill>
-                <a:effectLst/>
-                <a:latin typeface="+mn-lt"/>
-                <a:ea typeface="+mn-ea"/>
-                <a:cs typeface="+mn-cs"/>
-              </a:defRPr>
-            </a:lvl5pPr>
-            <a:lvl6pPr marL="2514600" indent="-228600" algn="l" defTabSz="457200" rtl="0" eaLnBrk="1" latinLnBrk="0" hangingPunct="1">
-              <a:spcBef>
-                <a:spcPct val="20000"/>
-              </a:spcBef>
-              <a:spcAft>
-                <a:spcPts val="600"/>
-              </a:spcAft>
-              <a:buClr>
-                <a:schemeClr val="accent1"/>
-              </a:buClr>
-              <a:buSzPct val="115000"/>
-              <a:buFont typeface="Arial"/>
-              <a:buChar char="•"/>
-              <a:defRPr sz="1400" kern="1200" cap="none">
-                <a:solidFill>
-                  <a:schemeClr val="tx1">
-                    <a:lumMod val="85000"/>
-                    <a:lumOff val="15000"/>
-                  </a:schemeClr>
-                </a:solidFill>
-                <a:effectLst/>
-                <a:latin typeface="+mn-lt"/>
-                <a:ea typeface="+mn-ea"/>
-                <a:cs typeface="+mn-cs"/>
-              </a:defRPr>
-            </a:lvl6pPr>
-            <a:lvl7pPr marL="2971800" indent="-228600" algn="l" defTabSz="457200" rtl="0" eaLnBrk="1" latinLnBrk="0" hangingPunct="1">
-              <a:spcBef>
-                <a:spcPct val="20000"/>
-              </a:spcBef>
-              <a:spcAft>
-                <a:spcPts val="600"/>
-              </a:spcAft>
-              <a:buClr>
-                <a:schemeClr val="accent1"/>
-              </a:buClr>
-              <a:buSzPct val="115000"/>
-              <a:buFont typeface="Arial"/>
-              <a:buChar char="•"/>
-              <a:defRPr sz="1400" kern="1200" cap="none">
-                <a:solidFill>
-                  <a:schemeClr val="tx1">
-                    <a:lumMod val="85000"/>
-                    <a:lumOff val="15000"/>
-                  </a:schemeClr>
-                </a:solidFill>
-                <a:effectLst/>
-                <a:latin typeface="+mn-lt"/>
-                <a:ea typeface="+mn-ea"/>
-                <a:cs typeface="+mn-cs"/>
-              </a:defRPr>
-            </a:lvl7pPr>
-            <a:lvl8pPr marL="3429000" indent="-228600" algn="l" defTabSz="457200" rtl="0" eaLnBrk="1" latinLnBrk="0" hangingPunct="1">
-              <a:spcBef>
-                <a:spcPct val="20000"/>
-              </a:spcBef>
-              <a:spcAft>
-                <a:spcPts val="600"/>
-              </a:spcAft>
-              <a:buClr>
-                <a:schemeClr val="accent1"/>
-              </a:buClr>
-              <a:buSzPct val="115000"/>
-              <a:buFont typeface="Arial"/>
-              <a:buChar char="•"/>
-              <a:defRPr sz="1400" kern="1200" cap="none">
-                <a:solidFill>
-                  <a:schemeClr val="tx1">
-                    <a:lumMod val="85000"/>
-                    <a:lumOff val="15000"/>
-                  </a:schemeClr>
-                </a:solidFill>
-                <a:effectLst/>
-                <a:latin typeface="+mn-lt"/>
-                <a:ea typeface="+mn-ea"/>
-                <a:cs typeface="+mn-cs"/>
-              </a:defRPr>
-            </a:lvl8pPr>
-            <a:lvl9pPr marL="3886200" indent="-228600" algn="l" defTabSz="457200" rtl="0" eaLnBrk="1" latinLnBrk="0" hangingPunct="1">
-              <a:spcBef>
-                <a:spcPct val="20000"/>
-              </a:spcBef>
-              <a:spcAft>
-                <a:spcPts val="600"/>
-              </a:spcAft>
-              <a:buClr>
-                <a:schemeClr val="accent1"/>
-              </a:buClr>
-              <a:buSzPct val="115000"/>
-              <a:buFont typeface="Arial"/>
-              <a:buChar char="•"/>
-              <a:defRPr sz="1400" kern="1200" cap="none">
-                <a:solidFill>
-                  <a:schemeClr val="tx1">
-                    <a:lumMod val="85000"/>
-                    <a:lumOff val="15000"/>
-                  </a:schemeClr>
-                </a:solidFill>
-                <a:effectLst/>
-                <a:latin typeface="+mn-lt"/>
-                <a:ea typeface="+mn-ea"/>
-                <a:cs typeface="+mn-cs"/>
-              </a:defRPr>
-            </a:lvl9pPr>
-          </a:lstStyle>
-          <a:p>
-            <a:r>
-              <a:rPr lang="es-ES" sz="1600" dirty="0" smtClean="0"/>
-              <a:t>Ventajas de la aplicación</a:t>
-            </a:r>
-          </a:p>
-          <a:p>
-            <a:r>
-              <a:rPr lang="es-ES" sz="1600" dirty="0" smtClean="0"/>
-              <a:t>Sitio web</a:t>
-            </a:r>
-          </a:p>
-          <a:p>
-            <a:r>
-              <a:rPr lang="es-ES" sz="1600" dirty="0" smtClean="0"/>
-              <a:t>Vista de la aplicación(Mostrar el video o hacer una prueba en directo)</a:t>
-            </a:r>
-          </a:p>
-          <a:p>
-            <a:r>
-              <a:rPr lang="es-ES" sz="1600" dirty="0" smtClean="0"/>
-              <a:t>Herramientas utilizadas</a:t>
-            </a:r>
-          </a:p>
-          <a:p>
-            <a:r>
-              <a:rPr lang="es-ES" sz="1600" dirty="0" smtClean="0"/>
-              <a:t>Adversidades encontradas</a:t>
-            </a:r>
-          </a:p>
-          <a:p>
-            <a:r>
-              <a:rPr lang="es-ES" sz="1600" dirty="0" err="1" smtClean="0"/>
-              <a:t>Resolucion</a:t>
-            </a:r>
-            <a:r>
-              <a:rPr lang="es-ES" sz="1600" dirty="0" smtClean="0"/>
-              <a:t> de problemas </a:t>
-            </a:r>
-          </a:p>
-          <a:p>
-            <a:r>
-              <a:rPr lang="es-ES" sz="1600" dirty="0" smtClean="0"/>
-              <a:t>Futuros </a:t>
-            </a:r>
-            <a:r>
-              <a:rPr lang="es-ES" sz="1600" dirty="0" err="1" smtClean="0"/>
-              <a:t>sprints</a:t>
-            </a:r>
-            <a:endParaRPr lang="es-ES" sz="1600" dirty="0"/>
           </a:p>
         </p:txBody>
       </p:sp>
@@ -7586,180 +6898,6 @@
     <p:extLst>
       <p:ext uri="{BB962C8B-B14F-4D97-AF65-F5344CB8AC3E}">
         <p14:creationId xmlns:p14="http://schemas.microsoft.com/office/powerpoint/2010/main" val="3873970589"/>
-      </p:ext>
-    </p:extLst>
-  </p:cSld>
-  <p:clrMapOvr>
-    <a:masterClrMapping/>
-  </p:clrMapOvr>
-  <p:timing>
-    <p:tnLst>
-      <p:par>
-        <p:cTn id="1" dur="indefinite" restart="never" nodeType="tmRoot"/>
-      </p:par>
-    </p:tnLst>
-  </p:timing>
-</p:sld>
-</file>
-
-<file path=ppt/slides/slide20.xml><?xml version="1.0" encoding="utf-8"?>
-<p:sld xmlns:a="http://schemas.openxmlformats.org/drawingml/2006/main" xmlns:r="http://schemas.openxmlformats.org/officeDocument/2006/relationships" xmlns:p="http://schemas.openxmlformats.org/presentationml/2006/main">
-  <p:cSld>
-    <p:spTree>
-      <p:nvGrpSpPr>
-        <p:cNvPr id="1" name=""/>
-        <p:cNvGrpSpPr/>
-        <p:nvPr/>
-      </p:nvGrpSpPr>
-      <p:grpSpPr>
-        <a:xfrm>
-          <a:off x="0" y="0"/>
-          <a:ext cx="0" cy="0"/>
-          <a:chOff x="0" y="0"/>
-          <a:chExt cx="0" cy="0"/>
-        </a:xfrm>
-      </p:grpSpPr>
-      <p:sp>
-        <p:nvSpPr>
-          <p:cNvPr id="2" name="Título 1"/>
-          <p:cNvSpPr>
-            <a:spLocks noGrp="1"/>
-          </p:cNvSpPr>
-          <p:nvPr>
-            <p:ph type="title"/>
-          </p:nvPr>
-        </p:nvSpPr>
-        <p:spPr/>
-        <p:txBody>
-          <a:bodyPr/>
-          <a:lstStyle/>
-          <a:p>
-            <a:r>
-              <a:rPr lang="es-ES" dirty="0" smtClean="0"/>
-              <a:t>Futuros </a:t>
-            </a:r>
-            <a:r>
-              <a:rPr lang="es-ES" dirty="0" err="1" smtClean="0"/>
-              <a:t>sprints</a:t>
-            </a:r>
-            <a:endParaRPr lang="es-ES" dirty="0"/>
-          </a:p>
-        </p:txBody>
-      </p:sp>
-      <p:sp>
-        <p:nvSpPr>
-          <p:cNvPr id="3" name="Marcador de contenido 2"/>
-          <p:cNvSpPr>
-            <a:spLocks noGrp="1"/>
-          </p:cNvSpPr>
-          <p:nvPr>
-            <p:ph idx="1"/>
-          </p:nvPr>
-        </p:nvSpPr>
-        <p:spPr/>
-        <p:txBody>
-          <a:bodyPr/>
-          <a:lstStyle/>
-          <a:p>
-            <a:r>
-              <a:rPr lang="es-ES" dirty="0" smtClean="0"/>
-              <a:t>Buscar foto</a:t>
-            </a:r>
-            <a:endParaRPr lang="es-ES" dirty="0"/>
-          </a:p>
-        </p:txBody>
-      </p:sp>
-    </p:spTree>
-    <p:extLst>
-      <p:ext uri="{BB962C8B-B14F-4D97-AF65-F5344CB8AC3E}">
-        <p14:creationId xmlns:p14="http://schemas.microsoft.com/office/powerpoint/2010/main" val="4119590231"/>
-      </p:ext>
-    </p:extLst>
-  </p:cSld>
-  <p:clrMapOvr>
-    <a:masterClrMapping/>
-  </p:clrMapOvr>
-  <p:timing>
-    <p:tnLst>
-      <p:par>
-        <p:cTn id="1" dur="indefinite" restart="never" nodeType="tmRoot"/>
-      </p:par>
-    </p:tnLst>
-  </p:timing>
-</p:sld>
-</file>
-
-<file path=ppt/slides/slide21.xml><?xml version="1.0" encoding="utf-8"?>
-<p:sld xmlns:a="http://schemas.openxmlformats.org/drawingml/2006/main" xmlns:r="http://schemas.openxmlformats.org/officeDocument/2006/relationships" xmlns:p="http://schemas.openxmlformats.org/presentationml/2006/main">
-  <p:cSld>
-    <p:spTree>
-      <p:nvGrpSpPr>
-        <p:cNvPr id="1" name=""/>
-        <p:cNvGrpSpPr/>
-        <p:nvPr/>
-      </p:nvGrpSpPr>
-      <p:grpSpPr>
-        <a:xfrm>
-          <a:off x="0" y="0"/>
-          <a:ext cx="0" cy="0"/>
-          <a:chOff x="0" y="0"/>
-          <a:chExt cx="0" cy="0"/>
-        </a:xfrm>
-      </p:grpSpPr>
-      <p:sp>
-        <p:nvSpPr>
-          <p:cNvPr id="2" name="Título 1"/>
-          <p:cNvSpPr>
-            <a:spLocks noGrp="1"/>
-          </p:cNvSpPr>
-          <p:nvPr>
-            <p:ph type="title"/>
-          </p:nvPr>
-        </p:nvSpPr>
-        <p:spPr/>
-        <p:txBody>
-          <a:bodyPr/>
-          <a:lstStyle/>
-          <a:p>
-            <a:r>
-              <a:rPr lang="es-ES" dirty="0" smtClean="0"/>
-              <a:t>Final</a:t>
-            </a:r>
-            <a:endParaRPr lang="es-ES" dirty="0"/>
-          </a:p>
-        </p:txBody>
-      </p:sp>
-      <p:sp>
-        <p:nvSpPr>
-          <p:cNvPr id="3" name="Marcador de contenido 2"/>
-          <p:cNvSpPr>
-            <a:spLocks noGrp="1"/>
-          </p:cNvSpPr>
-          <p:nvPr>
-            <p:ph idx="1"/>
-          </p:nvPr>
-        </p:nvSpPr>
-        <p:spPr/>
-        <p:txBody>
-          <a:bodyPr/>
-          <a:lstStyle/>
-          <a:p>
-            <a:r>
-              <a:rPr lang="es-ES" dirty="0" smtClean="0"/>
-              <a:t>Gracias por vuestra </a:t>
-            </a:r>
-            <a:r>
-              <a:rPr lang="es-ES" dirty="0" err="1" smtClean="0"/>
-              <a:t>atencion</a:t>
-            </a:r>
-            <a:endParaRPr lang="es-ES" dirty="0"/>
-          </a:p>
-        </p:txBody>
-      </p:sp>
-    </p:spTree>
-    <p:extLst>
-      <p:ext uri="{BB962C8B-B14F-4D97-AF65-F5344CB8AC3E}">
-        <p14:creationId xmlns:p14="http://schemas.microsoft.com/office/powerpoint/2010/main" val="2982338901"/>
       </p:ext>
     </p:extLst>
   </p:cSld>
@@ -7852,36 +6990,25 @@
             </a:r>
             <a:r>
               <a:rPr lang="es-ES" dirty="0" smtClean="0"/>
-              <a:t> </a:t>
-            </a:r>
-            <a:r>
-              <a:rPr lang="es-ES" dirty="0" err="1" smtClean="0"/>
-              <a:t>surgio</a:t>
+              <a:t> surgió </a:t>
             </a:r>
             <a:r>
               <a:rPr lang="es-ES" dirty="0" smtClean="0"/>
-              <a:t> al combinar nuestras ideas para crear una aplicación.</a:t>
-            </a:r>
+              <a:t>de la combinación de todas nuestras propuestas.</a:t>
+            </a:r>
+            <a:endParaRPr lang="es-ES" dirty="0" smtClean="0"/>
           </a:p>
           <a:p>
             <a:pPr marL="0" indent="0">
               <a:buNone/>
             </a:pPr>
             <a:r>
-              <a:rPr lang="es-ES" dirty="0" err="1" smtClean="0"/>
-              <a:t>Asi</a:t>
-            </a:r>
-            <a:r>
               <a:rPr lang="es-ES" dirty="0" smtClean="0"/>
-              <a:t> encontramos una aplicación bastante única capaz de organizar el trabajo y motivar al </a:t>
-            </a:r>
-            <a:r>
-              <a:rPr lang="es-ES" dirty="0" err="1" smtClean="0"/>
-              <a:t>trbajador</a:t>
+              <a:t>Así generamos una aplicación bastante única capaz de organizar el trabajo y motivar al </a:t>
             </a:r>
             <a:r>
               <a:rPr lang="es-ES" dirty="0" smtClean="0"/>
-              <a:t> a través de la tienda de puntos la cual recompensa al trabajador.</a:t>
+              <a:t>trabajador.</a:t>
             </a:r>
             <a:endParaRPr lang="es-ES" dirty="0"/>
           </a:p>
@@ -8002,68 +7129,56 @@
           <a:p>
             <a:r>
               <a:rPr lang="es-ES" dirty="0" smtClean="0"/>
-              <a:t>Organización del proyecto</a:t>
+              <a:t>¿A quién va dirigido?</a:t>
             </a:r>
             <a:endParaRPr lang="es-ES" dirty="0"/>
           </a:p>
         </p:txBody>
       </p:sp>
-      <p:pic>
-        <p:nvPicPr>
-          <p:cNvPr id="4" name="Marcador de contenido 3"/>
-          <p:cNvPicPr>
-            <a:picLocks noGrp="1" noChangeAspect="1"/>
-          </p:cNvPicPr>
+      <p:sp>
+        <p:nvSpPr>
+          <p:cNvPr id="3" name="Marcador de contenido 2"/>
+          <p:cNvSpPr>
+            <a:spLocks noGrp="1"/>
+          </p:cNvSpPr>
           <p:nvPr>
             <p:ph idx="1"/>
           </p:nvPr>
-        </p:nvPicPr>
-        <p:blipFill>
-          <a:blip r:embed="rId2"/>
-          <a:stretch>
-            <a:fillRect/>
-          </a:stretch>
-        </p:blipFill>
-        <p:spPr>
-          <a:xfrm>
-            <a:off x="914400" y="2508069"/>
-            <a:ext cx="10458994" cy="3718560"/>
-          </a:xfrm>
-          <a:prstGeom prst="roundRect">
-            <a:avLst>
-              <a:gd name="adj" fmla="val 8594"/>
-            </a:avLst>
-          </a:prstGeom>
-          <a:solidFill>
-            <a:srgbClr val="FFFFFF">
-              <a:shade val="85000"/>
-            </a:srgbClr>
-          </a:solidFill>
-          <a:ln>
-            <a:noFill/>
-          </a:ln>
-          <a:effectLst>
-            <a:reflection blurRad="12700" stA="38000" endPos="28000" dist="5000" dir="5400000" sy="-100000" algn="bl" rotWithShape="0"/>
-          </a:effectLst>
-        </p:spPr>
-      </p:pic>
+        </p:nvSpPr>
+        <p:spPr>
+          <a:xfrm>
+            <a:off x="1295401" y="2769326"/>
+            <a:ext cx="9601196" cy="3106542"/>
+          </a:xfrm>
+        </p:spPr>
+        <p:txBody>
+          <a:bodyPr/>
+          <a:lstStyle/>
+          <a:p>
+            <a:r>
+              <a:rPr lang="es-ES" dirty="0" smtClean="0"/>
+              <a:t>Empleados</a:t>
+            </a:r>
+          </a:p>
+          <a:p>
+            <a:r>
+              <a:rPr lang="es-ES" dirty="0" smtClean="0"/>
+              <a:t>Empresas</a:t>
+            </a:r>
+            <a:endParaRPr lang="es-ES" dirty="0"/>
+          </a:p>
+        </p:txBody>
+      </p:sp>
     </p:spTree>
     <p:extLst>
       <p:ext uri="{BB962C8B-B14F-4D97-AF65-F5344CB8AC3E}">
-        <p14:creationId xmlns:p14="http://schemas.microsoft.com/office/powerpoint/2010/main" val="2986218950"/>
+        <p14:creationId xmlns:p14="http://schemas.microsoft.com/office/powerpoint/2010/main" val="4034794175"/>
       </p:ext>
     </p:extLst>
   </p:cSld>
   <p:clrMapOvr>
     <a:masterClrMapping/>
   </p:clrMapOvr>
-  <p:timing>
-    <p:tnLst>
-      <p:par>
-        <p:cTn id="1" dur="indefinite" restart="never" nodeType="tmRoot"/>
-      </p:par>
-    </p:tnLst>
-  </p:timing>
 </p:sld>
 </file>
 
@@ -8094,14 +7209,19 @@
             <p:ph type="title"/>
           </p:nvPr>
         </p:nvSpPr>
-        <p:spPr/>
+        <p:spPr>
+          <a:xfrm>
+            <a:off x="1295402" y="982132"/>
+            <a:ext cx="3328849" cy="1303867"/>
+          </a:xfrm>
+        </p:spPr>
         <p:txBody>
           <a:bodyPr/>
           <a:lstStyle/>
           <a:p>
             <a:r>
-              <a:rPr lang="es-ES" dirty="0" err="1" smtClean="0"/>
-              <a:t>Mockup</a:t>
+              <a:rPr lang="es-ES" dirty="0" smtClean="0"/>
+              <a:t>El Logo</a:t>
             </a:r>
             <a:endParaRPr lang="es-ES" dirty="0"/>
           </a:p>
@@ -8117,23 +7237,58 @@
             <p:ph idx="1"/>
           </p:nvPr>
         </p:nvSpPr>
-        <p:spPr/>
+        <p:spPr>
+          <a:xfrm>
+            <a:off x="1295401" y="4606834"/>
+            <a:ext cx="8344988" cy="1269033"/>
+          </a:xfrm>
+        </p:spPr>
         <p:txBody>
           <a:bodyPr/>
           <a:lstStyle/>
           <a:p>
             <a:r>
               <a:rPr lang="es-ES" dirty="0" smtClean="0"/>
-              <a:t>Aquí insertamos las fotos de los formularios cuando las tengamos</a:t>
+              <a:t>El logo está todavía en desarrollo</a:t>
             </a:r>
             <a:endParaRPr lang="es-ES" dirty="0"/>
           </a:p>
         </p:txBody>
       </p:sp>
+      <p:pic>
+        <p:nvPicPr>
+          <p:cNvPr id="4" name="Imagen 3"/>
+          <p:cNvPicPr>
+            <a:picLocks noChangeAspect="1"/>
+          </p:cNvPicPr>
+          <p:nvPr/>
+        </p:nvPicPr>
+        <p:blipFill>
+          <a:blip r:embed="rId2">
+            <a:extLst>
+              <a:ext uri="{28A0092B-C50C-407E-A947-70E740481C1C}">
+                <a14:useLocalDpi xmlns:a14="http://schemas.microsoft.com/office/drawing/2010/main" val="0"/>
+              </a:ext>
+            </a:extLst>
+          </a:blip>
+          <a:stretch>
+            <a:fillRect/>
+          </a:stretch>
+        </p:blipFill>
+        <p:spPr>
+          <a:xfrm>
+            <a:off x="4624251" y="2554997"/>
+            <a:ext cx="1532709" cy="1449976"/>
+          </a:xfrm>
+          <a:prstGeom prst="rect">
+            <a:avLst/>
+          </a:prstGeom>
+        </p:spPr>
+      </p:pic>
     </p:spTree>
     <p:extLst>
       <p:ext uri="{BB962C8B-B14F-4D97-AF65-F5344CB8AC3E}">
-        <p14:creationId xmlns:p14="http://schemas.microsoft.com/office/powerpoint/2010/main" val="1170665421"/>
+        <p14:creationId xmlns:p14="http://schemas.microsoft.com/office/powerpoint/2010/main" val="3403868535"/>
       </p:ext>
     </p:extLst>
   </p:cSld>
@@ -8177,19 +7332,14 @@
             <p:ph type="title"/>
           </p:nvPr>
         </p:nvSpPr>
-        <p:spPr>
-          <a:xfrm>
-            <a:off x="1295402" y="982132"/>
-            <a:ext cx="3328849" cy="1303867"/>
-          </a:xfrm>
-        </p:spPr>
+        <p:spPr/>
         <p:txBody>
           <a:bodyPr/>
           <a:lstStyle/>
           <a:p>
             <a:r>
               <a:rPr lang="es-ES" dirty="0" smtClean="0"/>
-              <a:t>El Logo</a:t>
+              <a:t>Nombre de la aplicación </a:t>
             </a:r>
             <a:endParaRPr lang="es-ES" dirty="0"/>
           </a:p>
@@ -8207,8 +7357,8 @@
         </p:nvSpPr>
         <p:spPr>
           <a:xfrm>
-            <a:off x="1295401" y="4606834"/>
-            <a:ext cx="8344988" cy="1269033"/>
+            <a:off x="1460864" y="2979539"/>
+            <a:ext cx="5340530" cy="2479525"/>
           </a:xfrm>
         </p:spPr>
         <p:txBody>
@@ -8217,27 +7367,7 @@
           <a:p>
             <a:r>
               <a:rPr lang="es-ES" dirty="0" smtClean="0"/>
-              <a:t>Poner aquí algo de como </a:t>
-            </a:r>
-            <a:r>
-              <a:rPr lang="es-ES" dirty="0" err="1" smtClean="0"/>
-              <a:t>surgio</a:t>
-            </a:r>
-            <a:r>
-              <a:rPr lang="es-ES" dirty="0" smtClean="0"/>
-              <a:t> la idea de este logo o </a:t>
-            </a:r>
-            <a:r>
-              <a:rPr lang="es-ES" dirty="0" err="1" smtClean="0"/>
-              <a:t>nose</a:t>
-            </a:r>
-            <a:r>
-              <a:rPr lang="es-ES" dirty="0" smtClean="0"/>
-              <a:t> </a:t>
-            </a:r>
-            <a:r>
-              <a:rPr lang="es-ES" dirty="0" err="1" smtClean="0"/>
-              <a:t>xd</a:t>
+              <a:t>El nombre se debe a cómo utilizamos la navegación entre pestañas para desempeñar las diferentes funcionalidades que tiene nuestra aplicación.</a:t>
             </a:r>
             <a:endParaRPr lang="es-ES" dirty="0"/>
           </a:p>
@@ -8245,28 +7375,22 @@
       </p:sp>
       <p:pic>
         <p:nvPicPr>
-          <p:cNvPr id="4" name="Imagen 3"/>
+          <p:cNvPr id="5" name="Imagen 4"/>
           <p:cNvPicPr>
             <a:picLocks noChangeAspect="1"/>
           </p:cNvPicPr>
           <p:nvPr/>
         </p:nvPicPr>
         <p:blipFill>
-          <a:blip r:embed="rId2">
-            <a:extLst>
-              <a:ext uri="{28A0092B-C50C-407E-A947-70E740481C1C}">
-                <a14:useLocalDpi xmlns:a14="http://schemas.microsoft.com/office/drawing/2010/main" val="0"/>
-              </a:ext>
-            </a:extLst>
-          </a:blip>
+          <a:blip r:embed="rId2"/>
           <a:stretch>
             <a:fillRect/>
           </a:stretch>
         </p:blipFill>
         <p:spPr>
           <a:xfrm>
-            <a:off x="4624251" y="2554997"/>
-            <a:ext cx="1532709" cy="1449976"/>
+            <a:off x="7393579" y="2690950"/>
+            <a:ext cx="3276598" cy="2768114"/>
           </a:xfrm>
           <a:prstGeom prst="rect">
             <a:avLst/>
@@ -8276,7 +7400,7 @@
     </p:spTree>
     <p:extLst>
       <p:ext uri="{BB962C8B-B14F-4D97-AF65-F5344CB8AC3E}">
-        <p14:creationId xmlns:p14="http://schemas.microsoft.com/office/powerpoint/2010/main" val="3403868535"/>
+        <p14:creationId xmlns:p14="http://schemas.microsoft.com/office/powerpoint/2010/main" val="166444340"/>
       </p:ext>
     </p:extLst>
   </p:cSld>
@@ -8327,40 +7451,38 @@
           <a:p>
             <a:r>
               <a:rPr lang="es-ES" dirty="0" smtClean="0"/>
-              <a:t>Nombre de la aplicación </a:t>
+              <a:t>Vista principal</a:t>
             </a:r>
             <a:endParaRPr lang="es-ES" dirty="0"/>
           </a:p>
         </p:txBody>
       </p:sp>
-      <p:sp>
-        <p:nvSpPr>
-          <p:cNvPr id="3" name="Marcador de contenido 2"/>
-          <p:cNvSpPr>
-            <a:spLocks noGrp="1"/>
-          </p:cNvSpPr>
+      <p:pic>
+        <p:nvPicPr>
+          <p:cNvPr id="4" name="Marcador de contenido 3"/>
+          <p:cNvPicPr>
+            <a:picLocks noGrp="1" noChangeAspect="1"/>
+          </p:cNvPicPr>
           <p:nvPr>
             <p:ph idx="1"/>
           </p:nvPr>
-        </p:nvSpPr>
-        <p:spPr>
-          <a:xfrm>
-            <a:off x="1460864" y="2979539"/>
-            <a:ext cx="4051662" cy="2479525"/>
-          </a:xfrm>
-        </p:spPr>
-        <p:txBody>
-          <a:bodyPr/>
-          <a:lstStyle/>
-          <a:p>
-            <a:r>
-              <a:rPr lang="es-ES" dirty="0" smtClean="0"/>
-              <a:t>Decidimos este nombre por que nuestra aplicación se basa en una forma de organizar el trabajo a través de navegar en las diferentes pestañas que ofrece la aplicación.</a:t>
-            </a:r>
-            <a:endParaRPr lang="es-ES" dirty="0"/>
-          </a:p>
-        </p:txBody>
-      </p:sp>
+        </p:nvPicPr>
+        <p:blipFill>
+          <a:blip r:embed="rId2"/>
+          <a:stretch>
+            <a:fillRect/>
+          </a:stretch>
+        </p:blipFill>
+        <p:spPr>
+          <a:xfrm>
+            <a:off x="2079984" y="2470378"/>
+            <a:ext cx="2719803" cy="3317875"/>
+          </a:xfrm>
+          <a:prstGeom prst="rect">
+            <a:avLst/>
+          </a:prstGeom>
+        </p:spPr>
+      </p:pic>
       <p:pic>
         <p:nvPicPr>
           <p:cNvPr id="5" name="Imagen 4"/>
@@ -8370,15 +7492,15 @@
           <p:nvPr/>
         </p:nvPicPr>
         <p:blipFill>
-          <a:blip r:embed="rId2"/>
+          <a:blip r:embed="rId3"/>
           <a:stretch>
             <a:fillRect/>
           </a:stretch>
         </p:blipFill>
         <p:spPr>
           <a:xfrm>
-            <a:off x="7393579" y="2690950"/>
-            <a:ext cx="3276598" cy="2768114"/>
+            <a:off x="7177495" y="2453401"/>
+            <a:ext cx="2732859" cy="3334852"/>
           </a:xfrm>
           <a:prstGeom prst="rect">
             <a:avLst/>
@@ -8388,20 +7510,13 @@
     </p:spTree>
     <p:extLst>
       <p:ext uri="{BB962C8B-B14F-4D97-AF65-F5344CB8AC3E}">
-        <p14:creationId xmlns:p14="http://schemas.microsoft.com/office/powerpoint/2010/main" val="166444340"/>
+        <p14:creationId xmlns:p14="http://schemas.microsoft.com/office/powerpoint/2010/main" val="2968438783"/>
       </p:ext>
     </p:extLst>
   </p:cSld>
   <p:clrMapOvr>
     <a:masterClrMapping/>
   </p:clrMapOvr>
-  <p:timing>
-    <p:tnLst>
-      <p:par>
-        <p:cTn id="1" dur="indefinite" restart="never" nodeType="tmRoot"/>
-      </p:par>
-    </p:tnLst>
-  </p:timing>
 </p:sld>
 </file>
 
@@ -8432,123 +7547,43 @@
             <p:ph type="title"/>
           </p:nvPr>
         </p:nvSpPr>
-        <p:spPr>
-          <a:xfrm>
-            <a:off x="1295402" y="982132"/>
-            <a:ext cx="4382587" cy="1303867"/>
-          </a:xfrm>
-        </p:spPr>
-        <p:txBody>
-          <a:bodyPr>
-            <a:normAutofit fontScale="90000"/>
-          </a:bodyPr>
+        <p:spPr/>
+        <p:txBody>
+          <a:bodyPr/>
           <a:lstStyle/>
           <a:p>
             <a:r>
               <a:rPr lang="es-ES" dirty="0" smtClean="0"/>
-              <a:t>Diagrama UML Clases</a:t>
+              <a:t>Diferentes funcionalidades</a:t>
             </a:r>
             <a:endParaRPr lang="es-ES" dirty="0"/>
           </a:p>
         </p:txBody>
       </p:sp>
-      <p:sp>
-        <p:nvSpPr>
-          <p:cNvPr id="3" name="Marcador de contenido 2"/>
-          <p:cNvSpPr>
-            <a:spLocks noGrp="1"/>
-          </p:cNvSpPr>
-          <p:nvPr>
-            <p:ph idx="1"/>
-          </p:nvPr>
-        </p:nvSpPr>
-        <p:spPr>
-          <a:xfrm>
-            <a:off x="1687286" y="3049208"/>
-            <a:ext cx="2484119" cy="2523068"/>
-          </a:xfrm>
-        </p:spPr>
-        <p:txBody>
-          <a:bodyPr>
-            <a:normAutofit/>
-          </a:bodyPr>
-          <a:lstStyle/>
-          <a:p>
-            <a:pPr marL="0" indent="0">
-              <a:buNone/>
-            </a:pPr>
-            <a:r>
-              <a:rPr lang="es-ES" dirty="0">
-                <a:solidFill>
-                  <a:schemeClr val="tx1"/>
-                </a:solidFill>
-              </a:rPr>
-              <a:t>E</a:t>
-            </a:r>
-            <a:r>
-              <a:rPr lang="es-ES" dirty="0" smtClean="0">
-                <a:solidFill>
-                  <a:schemeClr val="tx1"/>
-                </a:solidFill>
-              </a:rPr>
-              <a:t>l </a:t>
-            </a:r>
-            <a:r>
-              <a:rPr lang="es-ES" dirty="0">
-                <a:solidFill>
-                  <a:schemeClr val="tx1"/>
-                </a:solidFill>
-              </a:rPr>
-              <a:t>diagrama </a:t>
-            </a:r>
-            <a:r>
-              <a:rPr lang="es-ES" dirty="0" smtClean="0">
-                <a:solidFill>
-                  <a:schemeClr val="tx1"/>
-                </a:solidFill>
-              </a:rPr>
-              <a:t>UML </a:t>
-            </a:r>
-            <a:r>
-              <a:rPr lang="es-ES" dirty="0">
-                <a:solidFill>
-                  <a:schemeClr val="tx1"/>
-                </a:solidFill>
-              </a:rPr>
-              <a:t>sufrió varios cambios debido a los </a:t>
-            </a:r>
-            <a:r>
-              <a:rPr lang="es-ES" dirty="0" smtClean="0">
-                <a:solidFill>
-                  <a:schemeClr val="tx1"/>
-                </a:solidFill>
-              </a:rPr>
-              <a:t>modificaciones </a:t>
-            </a:r>
-            <a:r>
-              <a:rPr lang="es-ES" dirty="0">
-                <a:solidFill>
-                  <a:schemeClr val="tx1"/>
-                </a:solidFill>
-              </a:rPr>
-              <a:t>que iba sufriendo la aplicación </a:t>
-            </a:r>
-            <a:r>
-              <a:rPr lang="es-ES" dirty="0" smtClean="0">
-                <a:solidFill>
-                  <a:schemeClr val="tx1"/>
-                </a:solidFill>
-              </a:rPr>
-              <a:t>.</a:t>
-            </a:r>
-            <a:endParaRPr lang="es-ES" dirty="0">
-              <a:solidFill>
-                <a:schemeClr val="tx1"/>
-              </a:solidFill>
-            </a:endParaRPr>
-          </a:p>
-        </p:txBody>
-      </p:sp>
+      <p:pic>
+        <p:nvPicPr>
+          <p:cNvPr id="4" name="Imagen 3"/>
+          <p:cNvPicPr>
+            <a:picLocks noChangeAspect="1"/>
+          </p:cNvPicPr>
+          <p:nvPr/>
+        </p:nvPicPr>
+        <p:blipFill>
+          <a:blip r:embed="rId2"/>
+          <a:stretch>
+            <a:fillRect/>
+          </a:stretch>
+        </p:blipFill>
+        <p:spPr>
+          <a:xfrm>
+            <a:off x="1413510" y="2715890"/>
+            <a:ext cx="4203519" cy="3001020"/>
+          </a:xfrm>
+          <a:prstGeom prst="rect">
+            <a:avLst/>
+          </a:prstGeom>
+        </p:spPr>
+      </p:pic>
       <p:pic>
         <p:nvPicPr>
           <p:cNvPr id="5" name="Imagen 4"/>
@@ -8558,21 +7593,15 @@
           <p:nvPr/>
         </p:nvPicPr>
         <p:blipFill>
-          <a:blip r:embed="rId2">
-            <a:extLst>
-              <a:ext uri="{28A0092B-C50C-407E-A947-70E740481C1C}">
-                <a14:useLocalDpi xmlns:a14="http://schemas.microsoft.com/office/drawing/2010/main" val="0"/>
-              </a:ext>
-            </a:extLst>
-          </a:blip>
+          <a:blip r:embed="rId3"/>
           <a:stretch>
             <a:fillRect/>
           </a:stretch>
         </p:blipFill>
         <p:spPr>
           <a:xfrm>
-            <a:off x="5434149" y="982132"/>
-            <a:ext cx="5521234" cy="5102981"/>
+            <a:off x="6577555" y="2715890"/>
+            <a:ext cx="4212365" cy="2999794"/>
           </a:xfrm>
           <a:prstGeom prst="rect">
             <a:avLst/>
@@ -8582,20 +7611,13 @@
     </p:spTree>
     <p:extLst>
       <p:ext uri="{BB962C8B-B14F-4D97-AF65-F5344CB8AC3E}">
-        <p14:creationId xmlns:p14="http://schemas.microsoft.com/office/powerpoint/2010/main" val="2258940034"/>
+        <p14:creationId xmlns:p14="http://schemas.microsoft.com/office/powerpoint/2010/main" val="2613893324"/>
       </p:ext>
     </p:extLst>
   </p:cSld>
   <p:clrMapOvr>
     <a:masterClrMapping/>
   </p:clrMapOvr>
-  <p:timing>
-    <p:tnLst>
-      <p:par>
-        <p:cTn id="1" dur="indefinite" restart="never" nodeType="tmRoot"/>
-      </p:par>
-    </p:tnLst>
-  </p:timing>
 </p:sld>
 </file>
 
@@ -8626,66 +7648,79 @@
             <p:ph type="title"/>
           </p:nvPr>
         </p:nvSpPr>
-        <p:spPr>
-          <a:xfrm>
-            <a:off x="1295402" y="982132"/>
-            <a:ext cx="3050175" cy="1303867"/>
-          </a:xfrm>
-        </p:spPr>
-        <p:txBody>
-          <a:bodyPr>
-            <a:normAutofit fontScale="90000"/>
-          </a:bodyPr>
+        <p:spPr/>
+        <p:txBody>
+          <a:bodyPr/>
           <a:lstStyle/>
           <a:p>
             <a:r>
               <a:rPr lang="es-ES" dirty="0" smtClean="0"/>
-              <a:t>UML Casos de Usos</a:t>
+              <a:t>Diferentes funcionalidades</a:t>
             </a:r>
             <a:endParaRPr lang="es-ES" dirty="0"/>
           </a:p>
         </p:txBody>
       </p:sp>
-      <p:sp>
-        <p:nvSpPr>
-          <p:cNvPr id="3" name="Marcador de contenido 2"/>
-          <p:cNvSpPr>
-            <a:spLocks noGrp="1"/>
-          </p:cNvSpPr>
+      <p:pic>
+        <p:nvPicPr>
+          <p:cNvPr id="4" name="Marcador de contenido 3"/>
+          <p:cNvPicPr>
+            <a:picLocks noGrp="1" noChangeAspect="1"/>
+          </p:cNvPicPr>
           <p:nvPr>
             <p:ph idx="1"/>
           </p:nvPr>
-        </p:nvSpPr>
-        <p:spPr/>
-        <p:txBody>
-          <a:bodyPr/>
-          <a:lstStyle/>
-          <a:p>
-            <a:r>
-              <a:rPr lang="es-ES" dirty="0" smtClean="0"/>
-              <a:t>Foto del  diagrama casos de usos</a:t>
-            </a:r>
-            <a:endParaRPr lang="es-ES" dirty="0"/>
-          </a:p>
-        </p:txBody>
-      </p:sp>
+        </p:nvPicPr>
+        <p:blipFill>
+          <a:blip r:embed="rId2"/>
+          <a:stretch>
+            <a:fillRect/>
+          </a:stretch>
+        </p:blipFill>
+        <p:spPr>
+          <a:xfrm>
+            <a:off x="1365246" y="2609714"/>
+            <a:ext cx="4636960" cy="3317875"/>
+          </a:xfrm>
+          <a:prstGeom prst="rect">
+            <a:avLst/>
+          </a:prstGeom>
+        </p:spPr>
+      </p:pic>
+      <p:pic>
+        <p:nvPicPr>
+          <p:cNvPr id="5" name="Imagen 4"/>
+          <p:cNvPicPr>
+            <a:picLocks noChangeAspect="1"/>
+          </p:cNvPicPr>
+          <p:nvPr/>
+        </p:nvPicPr>
+        <p:blipFill>
+          <a:blip r:embed="rId3"/>
+          <a:stretch>
+            <a:fillRect/>
+          </a:stretch>
+        </p:blipFill>
+        <p:spPr>
+          <a:xfrm>
+            <a:off x="6306910" y="2609713"/>
+            <a:ext cx="4733110" cy="3317875"/>
+          </a:xfrm>
+          <a:prstGeom prst="rect">
+            <a:avLst/>
+          </a:prstGeom>
+        </p:spPr>
+      </p:pic>
     </p:spTree>
     <p:extLst>
       <p:ext uri="{BB962C8B-B14F-4D97-AF65-F5344CB8AC3E}">
-        <p14:creationId xmlns:p14="http://schemas.microsoft.com/office/powerpoint/2010/main" val="4128536689"/>
+        <p14:creationId xmlns:p14="http://schemas.microsoft.com/office/powerpoint/2010/main" val="3096000280"/>
       </p:ext>
     </p:extLst>
   </p:cSld>
   <p:clrMapOvr>
     <a:masterClrMapping/>
   </p:clrMapOvr>
-  <p:timing>
-    <p:tnLst>
-      <p:par>
-        <p:cTn id="1" dur="indefinite" restart="never" nodeType="tmRoot"/>
-      </p:par>
-    </p:tnLst>
-  </p:timing>
 </p:sld>
 </file>
 
